--- a/models/results/paper_figures/model_schematic.pptx
+++ b/models/results/paper_figures/model_schematic.pptx
@@ -7,6 +7,9 @@
   <p:sldIdLst>
     <p:sldId id="256" r:id="rId2"/>
     <p:sldId id="257" r:id="rId3"/>
+    <p:sldId id="258" r:id="rId4"/>
+    <p:sldId id="259" r:id="rId5"/>
+    <p:sldId id="260" r:id="rId6"/>
   </p:sldIdLst>
   <p:sldSz cx="12192000" cy="6858000"/>
   <p:notesSz cx="7315200" cy="9601200"/>
@@ -105,6 +108,11 @@
       </a:defRPr>
     </a:lvl9pPr>
   </p:defaultTextStyle>
+  <p:extLst>
+    <p:ext uri="{EFAFB233-063F-42B5-8137-9DF3F51BA10A}">
+      <p15:sldGuideLst xmlns:p15="http://schemas.microsoft.com/office/powerpoint/2012/main"/>
+    </p:ext>
+  </p:extLst>
 </p:presentation>
 </file>
 
@@ -255,7 +263,7 @@
           <a:p>
             <a:fld id="{0B86F257-0878-4EBB-8A3B-E0624691A724}" type="datetimeFigureOut">
               <a:rPr lang="en-US" smtClean="0"/>
-              <a:t>8/20/2021</a:t>
+              <a:t>11/11/2021</a:t>
             </a:fld>
             <a:endParaRPr lang="en-US"/>
           </a:p>
@@ -453,7 +461,7 @@
           <a:p>
             <a:fld id="{0B86F257-0878-4EBB-8A3B-E0624691A724}" type="datetimeFigureOut">
               <a:rPr lang="en-US" smtClean="0"/>
-              <a:t>8/20/2021</a:t>
+              <a:t>11/11/2021</a:t>
             </a:fld>
             <a:endParaRPr lang="en-US"/>
           </a:p>
@@ -661,7 +669,7 @@
           <a:p>
             <a:fld id="{0B86F257-0878-4EBB-8A3B-E0624691A724}" type="datetimeFigureOut">
               <a:rPr lang="en-US" smtClean="0"/>
-              <a:t>8/20/2021</a:t>
+              <a:t>11/11/2021</a:t>
             </a:fld>
             <a:endParaRPr lang="en-US"/>
           </a:p>
@@ -859,7 +867,7 @@
           <a:p>
             <a:fld id="{0B86F257-0878-4EBB-8A3B-E0624691A724}" type="datetimeFigureOut">
               <a:rPr lang="en-US" smtClean="0"/>
-              <a:t>8/20/2021</a:t>
+              <a:t>11/11/2021</a:t>
             </a:fld>
             <a:endParaRPr lang="en-US"/>
           </a:p>
@@ -1134,7 +1142,7 @@
           <a:p>
             <a:fld id="{0B86F257-0878-4EBB-8A3B-E0624691A724}" type="datetimeFigureOut">
               <a:rPr lang="en-US" smtClean="0"/>
-              <a:t>8/20/2021</a:t>
+              <a:t>11/11/2021</a:t>
             </a:fld>
             <a:endParaRPr lang="en-US"/>
           </a:p>
@@ -1399,7 +1407,7 @@
           <a:p>
             <a:fld id="{0B86F257-0878-4EBB-8A3B-E0624691A724}" type="datetimeFigureOut">
               <a:rPr lang="en-US" smtClean="0"/>
-              <a:t>8/20/2021</a:t>
+              <a:t>11/11/2021</a:t>
             </a:fld>
             <a:endParaRPr lang="en-US"/>
           </a:p>
@@ -1811,7 +1819,7 @@
           <a:p>
             <a:fld id="{0B86F257-0878-4EBB-8A3B-E0624691A724}" type="datetimeFigureOut">
               <a:rPr lang="en-US" smtClean="0"/>
-              <a:t>8/20/2021</a:t>
+              <a:t>11/11/2021</a:t>
             </a:fld>
             <a:endParaRPr lang="en-US"/>
           </a:p>
@@ -1952,7 +1960,7 @@
           <a:p>
             <a:fld id="{0B86F257-0878-4EBB-8A3B-E0624691A724}" type="datetimeFigureOut">
               <a:rPr lang="en-US" smtClean="0"/>
-              <a:t>8/20/2021</a:t>
+              <a:t>11/11/2021</a:t>
             </a:fld>
             <a:endParaRPr lang="en-US"/>
           </a:p>
@@ -2065,7 +2073,7 @@
           <a:p>
             <a:fld id="{0B86F257-0878-4EBB-8A3B-E0624691A724}" type="datetimeFigureOut">
               <a:rPr lang="en-US" smtClean="0"/>
-              <a:t>8/20/2021</a:t>
+              <a:t>11/11/2021</a:t>
             </a:fld>
             <a:endParaRPr lang="en-US"/>
           </a:p>
@@ -2376,7 +2384,7 @@
           <a:p>
             <a:fld id="{0B86F257-0878-4EBB-8A3B-E0624691A724}" type="datetimeFigureOut">
               <a:rPr lang="en-US" smtClean="0"/>
-              <a:t>8/20/2021</a:t>
+              <a:t>11/11/2021</a:t>
             </a:fld>
             <a:endParaRPr lang="en-US"/>
           </a:p>
@@ -2664,7 +2672,7 @@
           <a:p>
             <a:fld id="{0B86F257-0878-4EBB-8A3B-E0624691A724}" type="datetimeFigureOut">
               <a:rPr lang="en-US" smtClean="0"/>
-              <a:t>8/20/2021</a:t>
+              <a:t>11/11/2021</a:t>
             </a:fld>
             <a:endParaRPr lang="en-US"/>
           </a:p>
@@ -2905,7 +2913,7 @@
           <a:p>
             <a:fld id="{0B86F257-0878-4EBB-8A3B-E0624691A724}" type="datetimeFigureOut">
               <a:rPr lang="en-US" smtClean="0"/>
-              <a:t>8/20/2021</a:t>
+              <a:t>11/11/2021</a:t>
             </a:fld>
             <a:endParaRPr lang="en-US"/>
           </a:p>
@@ -4626,7 +4634,7 @@
         </p:nvSpPr>
         <p:spPr>
           <a:xfrm>
-            <a:off x="4507643" y="4910388"/>
+            <a:off x="4507643" y="4878405"/>
             <a:ext cx="943249" cy="546780"/>
           </a:xfrm>
           <a:custGeom>
@@ -4990,7 +4998,7 @@
         </p:nvSpPr>
         <p:spPr>
           <a:xfrm>
-            <a:off x="4507644" y="1807109"/>
+            <a:off x="4507644" y="1803314"/>
             <a:ext cx="943250" cy="563795"/>
           </a:xfrm>
           <a:custGeom>
@@ -5120,7 +5128,7 @@
         </p:nvGrpSpPr>
         <p:grpSpPr>
           <a:xfrm>
-            <a:off x="4472130" y="4754790"/>
+            <a:off x="4472130" y="4722807"/>
             <a:ext cx="978763" cy="978763"/>
             <a:chOff x="603679" y="2405847"/>
             <a:chExt cx="978763" cy="978763"/>
@@ -5219,7 +5227,7 @@
         </p:nvSpPr>
         <p:spPr>
           <a:xfrm>
-            <a:off x="3962111" y="5889151"/>
+            <a:off x="3962111" y="5857168"/>
             <a:ext cx="2309302" cy="584775"/>
           </a:xfrm>
           <a:prstGeom prst="rect">
@@ -5255,7 +5263,7 @@
         </p:nvGrpSpPr>
         <p:grpSpPr>
           <a:xfrm>
-            <a:off x="4472130" y="1620335"/>
+            <a:off x="4472130" y="1588352"/>
             <a:ext cx="978763" cy="978763"/>
             <a:chOff x="603679" y="2405847"/>
             <a:chExt cx="978763" cy="978763"/>
@@ -5354,7 +5362,7 @@
         </p:nvSpPr>
         <p:spPr>
           <a:xfrm>
-            <a:off x="4144765" y="2749191"/>
+            <a:off x="4144765" y="2717208"/>
             <a:ext cx="1633494" cy="584775"/>
           </a:xfrm>
           <a:prstGeom prst="rect">
@@ -5390,7 +5398,7 @@
         </p:nvGrpSpPr>
         <p:grpSpPr>
           <a:xfrm>
-            <a:off x="8485393" y="2794561"/>
+            <a:off x="8485393" y="2762578"/>
             <a:ext cx="978763" cy="978763"/>
             <a:chOff x="603679" y="2405847"/>
             <a:chExt cx="978763" cy="978763"/>
@@ -5489,7 +5497,7 @@
         </p:nvSpPr>
         <p:spPr>
           <a:xfrm>
-            <a:off x="8158028" y="3927265"/>
+            <a:off x="8158028" y="3923470"/>
             <a:ext cx="1633494" cy="584775"/>
           </a:xfrm>
           <a:prstGeom prst="rect">
@@ -5525,7 +5533,7 @@
         </p:nvSpPr>
         <p:spPr>
           <a:xfrm>
-            <a:off x="8556420" y="2862926"/>
+            <a:off x="8556420" y="2830943"/>
             <a:ext cx="907734" cy="662230"/>
           </a:xfrm>
           <a:custGeom>
@@ -6724,7 +6732,7 @@
         </p:nvSpPr>
         <p:spPr>
           <a:xfrm>
-            <a:off x="5648289" y="4843894"/>
+            <a:off x="5648289" y="4840410"/>
             <a:ext cx="2185641" cy="584775"/>
           </a:xfrm>
           <a:prstGeom prst="rect">
@@ -6773,7 +6781,7 @@
         </p:nvSpPr>
         <p:spPr>
           <a:xfrm>
-            <a:off x="8412175" y="5142783"/>
+            <a:off x="8424451" y="5142784"/>
             <a:ext cx="2185641" cy="584775"/>
           </a:xfrm>
           <a:prstGeom prst="rect">
@@ -6830,11 +6838,11 @@
           <a:p>
             <a:pPr algn="ctr"/>
             <a:r>
-              <a:rPr lang="en-US" sz="3200" b="1" dirty="0"/>
+              <a:rPr lang="en-US" sz="3200" b="1" dirty="0" err="1"/>
               <a:t>k</a:t>
             </a:r>
             <a:r>
-              <a:rPr lang="en-US" sz="3200" b="1" baseline="-25000"/>
+              <a:rPr lang="en-US" sz="3200" b="1" baseline="-25000" dirty="0" err="1"/>
               <a:t>m</a:t>
             </a:r>
             <a:r>
@@ -6853,6 +6861,4046 @@
     <p:extLst>
       <p:ext uri="{BB962C8B-B14F-4D97-AF65-F5344CB8AC3E}">
         <p14:creationId xmlns:p14="http://schemas.microsoft.com/office/powerpoint/2010/main" val="1250625959"/>
+      </p:ext>
+    </p:extLst>
+  </p:cSld>
+  <p:clrMapOvr>
+    <a:masterClrMapping/>
+  </p:clrMapOvr>
+</p:sld>
+</file>
+
+<file path=ppt/slides/slide3.xml><?xml version="1.0" encoding="utf-8"?>
+<p:sld xmlns:a="http://schemas.openxmlformats.org/drawingml/2006/main" xmlns:r="http://schemas.openxmlformats.org/officeDocument/2006/relationships" xmlns:p="http://schemas.openxmlformats.org/presentationml/2006/main">
+  <p:cSld>
+    <p:spTree>
+      <p:nvGrpSpPr>
+        <p:cNvPr id="1" name=""/>
+        <p:cNvGrpSpPr/>
+        <p:nvPr/>
+      </p:nvGrpSpPr>
+      <p:grpSpPr>
+        <a:xfrm>
+          <a:off x="0" y="0"/>
+          <a:ext cx="0" cy="0"/>
+          <a:chOff x="0" y="0"/>
+          <a:chExt cx="0" cy="0"/>
+        </a:xfrm>
+      </p:grpSpPr>
+      <p:sp>
+        <p:nvSpPr>
+          <p:cNvPr id="6" name="Rectangle 5">
+            <a:extLst>
+              <a:ext uri="{FF2B5EF4-FFF2-40B4-BE49-F238E27FC236}">
+                <a16:creationId xmlns:a16="http://schemas.microsoft.com/office/drawing/2014/main" id="{5A679B34-4471-42B5-B242-F1CA1282929E}"/>
+              </a:ext>
+            </a:extLst>
+          </p:cNvPr>
+          <p:cNvSpPr/>
+          <p:nvPr/>
+        </p:nvSpPr>
+        <p:spPr>
+          <a:xfrm>
+            <a:off x="5825417" y="1863265"/>
+            <a:ext cx="1519746" cy="809532"/>
+          </a:xfrm>
+          <a:prstGeom prst="rect">
+            <a:avLst/>
+          </a:prstGeom>
+          <a:noFill/>
+          <a:ln w="28575">
+            <a:solidFill>
+              <a:schemeClr val="tx1"/>
+            </a:solidFill>
+          </a:ln>
+        </p:spPr>
+        <p:style>
+          <a:lnRef idx="2">
+            <a:schemeClr val="accent1">
+              <a:shade val="50000"/>
+            </a:schemeClr>
+          </a:lnRef>
+          <a:fillRef idx="1">
+            <a:schemeClr val="accent1"/>
+          </a:fillRef>
+          <a:effectRef idx="0">
+            <a:schemeClr val="accent1"/>
+          </a:effectRef>
+          <a:fontRef idx="minor">
+            <a:schemeClr val="lt1"/>
+          </a:fontRef>
+        </p:style>
+        <p:txBody>
+          <a:bodyPr rtlCol="0" anchor="ctr"/>
+          <a:lstStyle/>
+          <a:p>
+            <a:pPr algn="ctr"/>
+            <a:endParaRPr lang="en-US" dirty="0">
+              <a:solidFill>
+                <a:schemeClr val="tx1"/>
+              </a:solidFill>
+            </a:endParaRPr>
+          </a:p>
+        </p:txBody>
+      </p:sp>
+      <p:sp>
+        <p:nvSpPr>
+          <p:cNvPr id="3" name="Rectangle 2">
+            <a:extLst>
+              <a:ext uri="{FF2B5EF4-FFF2-40B4-BE49-F238E27FC236}">
+                <a16:creationId xmlns:a16="http://schemas.microsoft.com/office/drawing/2014/main" id="{B0ABAFBE-503A-4E9E-9CD6-3CA85742B2CC}"/>
+              </a:ext>
+            </a:extLst>
+          </p:cNvPr>
+          <p:cNvSpPr/>
+          <p:nvPr/>
+        </p:nvSpPr>
+        <p:spPr>
+          <a:xfrm>
+            <a:off x="3061503" y="3513030"/>
+            <a:ext cx="1519746" cy="809532"/>
+          </a:xfrm>
+          <a:prstGeom prst="rect">
+            <a:avLst/>
+          </a:prstGeom>
+          <a:noFill/>
+          <a:ln w="28575">
+            <a:solidFill>
+              <a:schemeClr val="tx1"/>
+            </a:solidFill>
+          </a:ln>
+        </p:spPr>
+        <p:style>
+          <a:lnRef idx="2">
+            <a:schemeClr val="accent1">
+              <a:shade val="50000"/>
+            </a:schemeClr>
+          </a:lnRef>
+          <a:fillRef idx="1">
+            <a:schemeClr val="accent1"/>
+          </a:fillRef>
+          <a:effectRef idx="0">
+            <a:schemeClr val="accent1"/>
+          </a:effectRef>
+          <a:fontRef idx="minor">
+            <a:schemeClr val="lt1"/>
+          </a:fontRef>
+        </p:style>
+        <p:txBody>
+          <a:bodyPr rtlCol="0" anchor="ctr"/>
+          <a:lstStyle/>
+          <a:p>
+            <a:pPr algn="ctr"/>
+            <a:r>
+              <a:rPr lang="en-US" dirty="0" err="1">
+                <a:solidFill>
+                  <a:schemeClr val="tx1"/>
+                </a:solidFill>
+              </a:rPr>
+              <a:t>I</a:t>
+            </a:r>
+            <a:r>
+              <a:rPr lang="en-US" sz="2000" baseline="-25000" dirty="0" err="1">
+                <a:solidFill>
+                  <a:schemeClr val="tx1"/>
+                </a:solidFill>
+              </a:rPr>
+              <a:t>syn</a:t>
+            </a:r>
+            <a:r>
+              <a:rPr lang="en-US" sz="2000" dirty="0">
+                <a:solidFill>
+                  <a:schemeClr val="tx1"/>
+                </a:solidFill>
+              </a:rPr>
+              <a:t>(t)</a:t>
+            </a:r>
+            <a:endParaRPr lang="en-US" dirty="0">
+              <a:solidFill>
+                <a:schemeClr val="tx1"/>
+              </a:solidFill>
+            </a:endParaRPr>
+          </a:p>
+        </p:txBody>
+      </p:sp>
+      <p:sp>
+        <p:nvSpPr>
+          <p:cNvPr id="4" name="Rectangle 3">
+            <a:extLst>
+              <a:ext uri="{FF2B5EF4-FFF2-40B4-BE49-F238E27FC236}">
+                <a16:creationId xmlns:a16="http://schemas.microsoft.com/office/drawing/2014/main" id="{12921C4E-9CCC-44EB-853D-495EBC27C006}"/>
+              </a:ext>
+            </a:extLst>
+          </p:cNvPr>
+          <p:cNvSpPr/>
+          <p:nvPr/>
+        </p:nvSpPr>
+        <p:spPr>
+          <a:xfrm>
+            <a:off x="5894959" y="3513030"/>
+            <a:ext cx="1519746" cy="809532"/>
+          </a:xfrm>
+          <a:prstGeom prst="rect">
+            <a:avLst/>
+          </a:prstGeom>
+          <a:noFill/>
+          <a:ln w="28575">
+            <a:solidFill>
+              <a:schemeClr val="tx1"/>
+            </a:solidFill>
+          </a:ln>
+        </p:spPr>
+        <p:style>
+          <a:lnRef idx="2">
+            <a:schemeClr val="accent1">
+              <a:shade val="50000"/>
+            </a:schemeClr>
+          </a:lnRef>
+          <a:fillRef idx="1">
+            <a:schemeClr val="accent1"/>
+          </a:fillRef>
+          <a:effectRef idx="0">
+            <a:schemeClr val="accent1"/>
+          </a:effectRef>
+          <a:fontRef idx="minor">
+            <a:schemeClr val="lt1"/>
+          </a:fontRef>
+        </p:style>
+        <p:txBody>
+          <a:bodyPr rtlCol="0" anchor="ctr"/>
+          <a:lstStyle/>
+          <a:p>
+            <a:pPr algn="ctr"/>
+            <a:r>
+              <a:rPr lang="en-US" dirty="0">
+                <a:solidFill>
+                  <a:schemeClr val="tx1"/>
+                </a:solidFill>
+              </a:rPr>
+              <a:t>V</a:t>
+            </a:r>
+            <a:r>
+              <a:rPr lang="en-US" sz="2000" dirty="0">
+                <a:solidFill>
+                  <a:schemeClr val="tx1"/>
+                </a:solidFill>
+              </a:rPr>
+              <a:t>(t)</a:t>
+            </a:r>
+            <a:endParaRPr lang="en-US" dirty="0">
+              <a:solidFill>
+                <a:schemeClr val="tx1"/>
+              </a:solidFill>
+            </a:endParaRPr>
+          </a:p>
+        </p:txBody>
+      </p:sp>
+      <p:sp>
+        <p:nvSpPr>
+          <p:cNvPr id="5" name="Rectangle 4">
+            <a:extLst>
+              <a:ext uri="{FF2B5EF4-FFF2-40B4-BE49-F238E27FC236}">
+                <a16:creationId xmlns:a16="http://schemas.microsoft.com/office/drawing/2014/main" id="{A62DA73E-0455-422C-AD6C-0550CCFF07F6}"/>
+              </a:ext>
+            </a:extLst>
+          </p:cNvPr>
+          <p:cNvSpPr/>
+          <p:nvPr/>
+        </p:nvSpPr>
+        <p:spPr>
+          <a:xfrm>
+            <a:off x="5894959" y="1925407"/>
+            <a:ext cx="1519746" cy="809532"/>
+          </a:xfrm>
+          <a:prstGeom prst="rect">
+            <a:avLst/>
+          </a:prstGeom>
+          <a:solidFill>
+            <a:schemeClr val="bg1"/>
+          </a:solidFill>
+          <a:ln w="28575">
+            <a:solidFill>
+              <a:schemeClr val="tx1"/>
+            </a:solidFill>
+          </a:ln>
+        </p:spPr>
+        <p:style>
+          <a:lnRef idx="2">
+            <a:schemeClr val="accent1">
+              <a:shade val="50000"/>
+            </a:schemeClr>
+          </a:lnRef>
+          <a:fillRef idx="1">
+            <a:schemeClr val="accent1"/>
+          </a:fillRef>
+          <a:effectRef idx="0">
+            <a:schemeClr val="accent1"/>
+          </a:effectRef>
+          <a:fontRef idx="minor">
+            <a:schemeClr val="lt1"/>
+          </a:fontRef>
+        </p:style>
+        <p:txBody>
+          <a:bodyPr rtlCol="0" anchor="ctr"/>
+          <a:lstStyle/>
+          <a:p>
+            <a:pPr algn="ctr"/>
+            <a:r>
+              <a:rPr lang="en-US" sz="2000" dirty="0" err="1">
+                <a:solidFill>
+                  <a:schemeClr val="tx1"/>
+                </a:solidFill>
+              </a:rPr>
+              <a:t>I</a:t>
+            </a:r>
+            <a:r>
+              <a:rPr lang="en-US" sz="2000" baseline="-25000" dirty="0" err="1">
+                <a:solidFill>
+                  <a:schemeClr val="tx1"/>
+                </a:solidFill>
+              </a:rPr>
+              <a:t>j</a:t>
+            </a:r>
+            <a:r>
+              <a:rPr lang="en-US" sz="2000" dirty="0">
+                <a:solidFill>
+                  <a:schemeClr val="tx1"/>
+                </a:solidFill>
+              </a:rPr>
+              <a:t>(t)</a:t>
+            </a:r>
+            <a:endParaRPr lang="en-US" dirty="0">
+              <a:solidFill>
+                <a:schemeClr val="tx1"/>
+              </a:solidFill>
+            </a:endParaRPr>
+          </a:p>
+        </p:txBody>
+      </p:sp>
+      <p:sp>
+        <p:nvSpPr>
+          <p:cNvPr id="7" name="Rectangle 6">
+            <a:extLst>
+              <a:ext uri="{FF2B5EF4-FFF2-40B4-BE49-F238E27FC236}">
+                <a16:creationId xmlns:a16="http://schemas.microsoft.com/office/drawing/2014/main" id="{A41FF5D2-7AB9-41C9-BBEC-8EAFE0C470BF}"/>
+              </a:ext>
+            </a:extLst>
+          </p:cNvPr>
+          <p:cNvSpPr/>
+          <p:nvPr/>
+        </p:nvSpPr>
+        <p:spPr>
+          <a:xfrm>
+            <a:off x="8728415" y="3513030"/>
+            <a:ext cx="1519746" cy="809532"/>
+          </a:xfrm>
+          <a:prstGeom prst="rect">
+            <a:avLst/>
+          </a:prstGeom>
+          <a:noFill/>
+          <a:ln w="28575">
+            <a:solidFill>
+              <a:schemeClr val="tx1"/>
+            </a:solidFill>
+          </a:ln>
+        </p:spPr>
+        <p:style>
+          <a:lnRef idx="2">
+            <a:schemeClr val="accent1">
+              <a:shade val="50000"/>
+            </a:schemeClr>
+          </a:lnRef>
+          <a:fillRef idx="1">
+            <a:schemeClr val="accent1"/>
+          </a:fillRef>
+          <a:effectRef idx="0">
+            <a:schemeClr val="accent1"/>
+          </a:effectRef>
+          <a:fontRef idx="minor">
+            <a:schemeClr val="lt1"/>
+          </a:fontRef>
+        </p:style>
+        <p:txBody>
+          <a:bodyPr rtlCol="0" anchor="ctr"/>
+          <a:lstStyle/>
+          <a:p>
+            <a:pPr algn="ctr"/>
+            <a:r>
+              <a:rPr lang="en-US" dirty="0">
+                <a:solidFill>
+                  <a:schemeClr val="tx1"/>
+                </a:solidFill>
+              </a:rPr>
+              <a:t>s(</a:t>
+            </a:r>
+            <a:r>
+              <a:rPr lang="en-US" sz="2000" dirty="0">
+                <a:solidFill>
+                  <a:schemeClr val="tx1"/>
+                </a:solidFill>
+              </a:rPr>
+              <a:t>t)</a:t>
+            </a:r>
+            <a:endParaRPr lang="en-US" dirty="0">
+              <a:solidFill>
+                <a:schemeClr val="tx1"/>
+              </a:solidFill>
+            </a:endParaRPr>
+          </a:p>
+        </p:txBody>
+      </p:sp>
+      <p:cxnSp>
+        <p:nvCxnSpPr>
+          <p:cNvPr id="9" name="Connector: Elbow 8">
+            <a:extLst>
+              <a:ext uri="{FF2B5EF4-FFF2-40B4-BE49-F238E27FC236}">
+                <a16:creationId xmlns:a16="http://schemas.microsoft.com/office/drawing/2014/main" id="{EDE6E587-1EC1-4156-9455-437E90A8E109}"/>
+              </a:ext>
+            </a:extLst>
+          </p:cNvPr>
+          <p:cNvCxnSpPr>
+            <a:stCxn id="7" idx="0"/>
+            <a:endCxn id="5" idx="3"/>
+          </p:cNvCxnSpPr>
+          <p:nvPr/>
+        </p:nvCxnSpPr>
+        <p:spPr>
+          <a:xfrm rot="16200000" flipV="1">
+            <a:off x="7860069" y="1884810"/>
+            <a:ext cx="1182857" cy="2073583"/>
+          </a:xfrm>
+          <a:prstGeom prst="bentConnector2">
+            <a:avLst/>
+          </a:prstGeom>
+          <a:ln w="28575">
+            <a:solidFill>
+              <a:schemeClr val="tx1"/>
+            </a:solidFill>
+            <a:tailEnd type="triangle"/>
+          </a:ln>
+        </p:spPr>
+        <p:style>
+          <a:lnRef idx="1">
+            <a:schemeClr val="accent1"/>
+          </a:lnRef>
+          <a:fillRef idx="0">
+            <a:schemeClr val="accent1"/>
+          </a:fillRef>
+          <a:effectRef idx="0">
+            <a:schemeClr val="accent1"/>
+          </a:effectRef>
+          <a:fontRef idx="minor">
+            <a:schemeClr val="tx1"/>
+          </a:fontRef>
+        </p:style>
+      </p:cxnSp>
+      <p:cxnSp>
+        <p:nvCxnSpPr>
+          <p:cNvPr id="10" name="Connector: Elbow 9">
+            <a:extLst>
+              <a:ext uri="{FF2B5EF4-FFF2-40B4-BE49-F238E27FC236}">
+                <a16:creationId xmlns:a16="http://schemas.microsoft.com/office/drawing/2014/main" id="{9A513C4F-C3A2-4559-8277-ED60A9C6F09D}"/>
+              </a:ext>
+            </a:extLst>
+          </p:cNvPr>
+          <p:cNvCxnSpPr>
+            <a:cxnSpLocks/>
+          </p:cNvCxnSpPr>
+          <p:nvPr/>
+        </p:nvCxnSpPr>
+        <p:spPr>
+          <a:xfrm rot="16200000" flipV="1">
+            <a:off x="7939197" y="1995435"/>
+            <a:ext cx="12700" cy="3034172"/>
+          </a:xfrm>
+          <a:prstGeom prst="bentConnector4">
+            <a:avLst>
+              <a:gd name="adj1" fmla="val 3834780"/>
+              <a:gd name="adj2" fmla="val 99920"/>
+            </a:avLst>
+          </a:prstGeom>
+          <a:ln w="28575">
+            <a:solidFill>
+              <a:schemeClr val="tx1"/>
+            </a:solidFill>
+            <a:tailEnd type="triangle"/>
+          </a:ln>
+        </p:spPr>
+        <p:style>
+          <a:lnRef idx="1">
+            <a:schemeClr val="accent1"/>
+          </a:lnRef>
+          <a:fillRef idx="0">
+            <a:schemeClr val="accent1"/>
+          </a:fillRef>
+          <a:effectRef idx="0">
+            <a:schemeClr val="accent1"/>
+          </a:effectRef>
+          <a:fontRef idx="minor">
+            <a:schemeClr val="tx1"/>
+          </a:fontRef>
+        </p:style>
+      </p:cxnSp>
+      <p:sp>
+        <p:nvSpPr>
+          <p:cNvPr id="16" name="Rectangle 15">
+            <a:extLst>
+              <a:ext uri="{FF2B5EF4-FFF2-40B4-BE49-F238E27FC236}">
+                <a16:creationId xmlns:a16="http://schemas.microsoft.com/office/drawing/2014/main" id="{592BC149-6F77-491C-B329-16C4DE299E1C}"/>
+              </a:ext>
+            </a:extLst>
+          </p:cNvPr>
+          <p:cNvSpPr/>
+          <p:nvPr/>
+        </p:nvSpPr>
+        <p:spPr>
+          <a:xfrm>
+            <a:off x="6989609" y="2672797"/>
+            <a:ext cx="2230853" cy="385715"/>
+          </a:xfrm>
+          <a:prstGeom prst="rect">
+            <a:avLst/>
+          </a:prstGeom>
+          <a:noFill/>
+          <a:ln w="28575">
+            <a:noFill/>
+          </a:ln>
+        </p:spPr>
+        <p:style>
+          <a:lnRef idx="2">
+            <a:schemeClr val="accent1">
+              <a:shade val="50000"/>
+            </a:schemeClr>
+          </a:lnRef>
+          <a:fillRef idx="1">
+            <a:schemeClr val="accent1"/>
+          </a:fillRef>
+          <a:effectRef idx="0">
+            <a:schemeClr val="accent1"/>
+          </a:effectRef>
+          <a:fontRef idx="minor">
+            <a:schemeClr val="lt1"/>
+          </a:fontRef>
+        </p:style>
+        <p:txBody>
+          <a:bodyPr rtlCol="0" anchor="ctr"/>
+          <a:lstStyle/>
+          <a:p>
+            <a:pPr algn="ctr"/>
+            <a:r>
+              <a:rPr lang="en-US" dirty="0">
+                <a:solidFill>
+                  <a:schemeClr val="tx1"/>
+                </a:solidFill>
+              </a:rPr>
+              <a:t>voltage reset</a:t>
+            </a:r>
+          </a:p>
+        </p:txBody>
+      </p:sp>
+      <p:cxnSp>
+        <p:nvCxnSpPr>
+          <p:cNvPr id="23" name="Straight Arrow Connector 22">
+            <a:extLst>
+              <a:ext uri="{FF2B5EF4-FFF2-40B4-BE49-F238E27FC236}">
+                <a16:creationId xmlns:a16="http://schemas.microsoft.com/office/drawing/2014/main" id="{99F125CC-24F8-4874-838E-C23419871FCF}"/>
+              </a:ext>
+            </a:extLst>
+          </p:cNvPr>
+          <p:cNvCxnSpPr>
+            <a:cxnSpLocks/>
+          </p:cNvCxnSpPr>
+          <p:nvPr/>
+        </p:nvCxnSpPr>
+        <p:spPr>
+          <a:xfrm>
+            <a:off x="10248161" y="3917795"/>
+            <a:ext cx="682995" cy="0"/>
+          </a:xfrm>
+          <a:prstGeom prst="straightConnector1">
+            <a:avLst/>
+          </a:prstGeom>
+          <a:ln w="28575">
+            <a:solidFill>
+              <a:schemeClr val="tx1"/>
+            </a:solidFill>
+            <a:tailEnd type="triangle"/>
+          </a:ln>
+        </p:spPr>
+        <p:style>
+          <a:lnRef idx="1">
+            <a:schemeClr val="accent1"/>
+          </a:lnRef>
+          <a:fillRef idx="0">
+            <a:schemeClr val="accent1"/>
+          </a:fillRef>
+          <a:effectRef idx="0">
+            <a:schemeClr val="accent1"/>
+          </a:effectRef>
+          <a:fontRef idx="minor">
+            <a:schemeClr val="tx1"/>
+          </a:fontRef>
+        </p:style>
+      </p:cxnSp>
+      <p:cxnSp>
+        <p:nvCxnSpPr>
+          <p:cNvPr id="25" name="Straight Arrow Connector 24">
+            <a:extLst>
+              <a:ext uri="{FF2B5EF4-FFF2-40B4-BE49-F238E27FC236}">
+                <a16:creationId xmlns:a16="http://schemas.microsoft.com/office/drawing/2014/main" id="{C9EB77E8-6B09-4C4F-984D-6E4D4D5E02D5}"/>
+              </a:ext>
+            </a:extLst>
+          </p:cNvPr>
+          <p:cNvCxnSpPr>
+            <a:cxnSpLocks/>
+            <a:stCxn id="3" idx="3"/>
+          </p:cNvCxnSpPr>
+          <p:nvPr/>
+        </p:nvCxnSpPr>
+        <p:spPr>
+          <a:xfrm>
+            <a:off x="4581249" y="3917796"/>
+            <a:ext cx="1281705" cy="0"/>
+          </a:xfrm>
+          <a:prstGeom prst="straightConnector1">
+            <a:avLst/>
+          </a:prstGeom>
+          <a:ln w="28575">
+            <a:solidFill>
+              <a:schemeClr val="tx1"/>
+            </a:solidFill>
+            <a:tailEnd type="triangle"/>
+          </a:ln>
+        </p:spPr>
+        <p:style>
+          <a:lnRef idx="1">
+            <a:schemeClr val="accent1"/>
+          </a:lnRef>
+          <a:fillRef idx="0">
+            <a:schemeClr val="accent1"/>
+          </a:fillRef>
+          <a:effectRef idx="0">
+            <a:schemeClr val="accent1"/>
+          </a:effectRef>
+          <a:fontRef idx="minor">
+            <a:schemeClr val="tx1"/>
+          </a:fontRef>
+        </p:style>
+      </p:cxnSp>
+      <p:cxnSp>
+        <p:nvCxnSpPr>
+          <p:cNvPr id="27" name="Connector: Elbow 26">
+            <a:extLst>
+              <a:ext uri="{FF2B5EF4-FFF2-40B4-BE49-F238E27FC236}">
+                <a16:creationId xmlns:a16="http://schemas.microsoft.com/office/drawing/2014/main" id="{92DC4C9C-549D-4CCC-9E78-618122D3CA19}"/>
+              </a:ext>
+            </a:extLst>
+          </p:cNvPr>
+          <p:cNvCxnSpPr>
+            <a:cxnSpLocks/>
+          </p:cNvCxnSpPr>
+          <p:nvPr/>
+        </p:nvCxnSpPr>
+        <p:spPr>
+          <a:xfrm rot="10800000" flipV="1">
+            <a:off x="5862954" y="2330172"/>
+            <a:ext cx="12700" cy="1587623"/>
+          </a:xfrm>
+          <a:prstGeom prst="bentConnector3">
+            <a:avLst>
+              <a:gd name="adj1" fmla="val 4479071"/>
+            </a:avLst>
+          </a:prstGeom>
+          <a:ln w="28575">
+            <a:solidFill>
+              <a:schemeClr val="tx1"/>
+            </a:solidFill>
+            <a:tailEnd type="triangle"/>
+          </a:ln>
+        </p:spPr>
+        <p:style>
+          <a:lnRef idx="1">
+            <a:schemeClr val="accent1"/>
+          </a:lnRef>
+          <a:fillRef idx="0">
+            <a:schemeClr val="accent1"/>
+          </a:fillRef>
+          <a:effectRef idx="0">
+            <a:schemeClr val="accent1"/>
+          </a:effectRef>
+          <a:fontRef idx="minor">
+            <a:schemeClr val="tx1"/>
+          </a:fontRef>
+        </p:style>
+      </p:cxnSp>
+      <p:cxnSp>
+        <p:nvCxnSpPr>
+          <p:cNvPr id="31" name="Straight Arrow Connector 30">
+            <a:extLst>
+              <a:ext uri="{FF2B5EF4-FFF2-40B4-BE49-F238E27FC236}">
+                <a16:creationId xmlns:a16="http://schemas.microsoft.com/office/drawing/2014/main" id="{08EBD43E-16BB-4511-B58D-73FC12375EB1}"/>
+              </a:ext>
+            </a:extLst>
+          </p:cNvPr>
+          <p:cNvCxnSpPr/>
+          <p:nvPr/>
+        </p:nvCxnSpPr>
+        <p:spPr>
+          <a:xfrm>
+            <a:off x="2378508" y="3917795"/>
+            <a:ext cx="682995" cy="0"/>
+          </a:xfrm>
+          <a:prstGeom prst="straightConnector1">
+            <a:avLst/>
+          </a:prstGeom>
+          <a:ln w="28575">
+            <a:solidFill>
+              <a:schemeClr val="tx1"/>
+            </a:solidFill>
+            <a:tailEnd type="triangle"/>
+          </a:ln>
+        </p:spPr>
+        <p:style>
+          <a:lnRef idx="1">
+            <a:schemeClr val="accent1"/>
+          </a:lnRef>
+          <a:fillRef idx="0">
+            <a:schemeClr val="accent1"/>
+          </a:fillRef>
+          <a:effectRef idx="0">
+            <a:schemeClr val="accent1"/>
+          </a:effectRef>
+          <a:fontRef idx="minor">
+            <a:schemeClr val="tx1"/>
+          </a:fontRef>
+        </p:style>
+      </p:cxnSp>
+      <p:cxnSp>
+        <p:nvCxnSpPr>
+          <p:cNvPr id="33" name="Connector: Elbow 32">
+            <a:extLst>
+              <a:ext uri="{FF2B5EF4-FFF2-40B4-BE49-F238E27FC236}">
+                <a16:creationId xmlns:a16="http://schemas.microsoft.com/office/drawing/2014/main" id="{2F011A13-96B2-4CF6-85BC-D98005179E5A}"/>
+              </a:ext>
+            </a:extLst>
+          </p:cNvPr>
+          <p:cNvCxnSpPr>
+            <a:cxnSpLocks/>
+          </p:cNvCxnSpPr>
+          <p:nvPr/>
+        </p:nvCxnSpPr>
+        <p:spPr>
+          <a:xfrm rot="16200000" flipV="1">
+            <a:off x="6648483" y="679573"/>
+            <a:ext cx="12700" cy="5666912"/>
+          </a:xfrm>
+          <a:prstGeom prst="bentConnector3">
+            <a:avLst>
+              <a:gd name="adj1" fmla="val 16269898"/>
+            </a:avLst>
+          </a:prstGeom>
+          <a:ln w="28575">
+            <a:solidFill>
+              <a:schemeClr val="tx1"/>
+            </a:solidFill>
+            <a:tailEnd type="triangle"/>
+          </a:ln>
+        </p:spPr>
+        <p:style>
+          <a:lnRef idx="1">
+            <a:schemeClr val="accent1"/>
+          </a:lnRef>
+          <a:fillRef idx="0">
+            <a:schemeClr val="accent1"/>
+          </a:fillRef>
+          <a:effectRef idx="0">
+            <a:schemeClr val="accent1"/>
+          </a:effectRef>
+          <a:fontRef idx="minor">
+            <a:schemeClr val="tx1"/>
+          </a:fontRef>
+        </p:style>
+      </p:cxnSp>
+      <p:sp>
+        <p:nvSpPr>
+          <p:cNvPr id="35" name="Rectangle 34">
+            <a:extLst>
+              <a:ext uri="{FF2B5EF4-FFF2-40B4-BE49-F238E27FC236}">
+                <a16:creationId xmlns:a16="http://schemas.microsoft.com/office/drawing/2014/main" id="{6C108084-7BFB-4C66-816A-ED6F7D46A254}"/>
+              </a:ext>
+            </a:extLst>
+          </p:cNvPr>
+          <p:cNvSpPr/>
+          <p:nvPr/>
+        </p:nvSpPr>
+        <p:spPr>
+          <a:xfrm>
+            <a:off x="5114310" y="1147627"/>
+            <a:ext cx="2230853" cy="385715"/>
+          </a:xfrm>
+          <a:prstGeom prst="rect">
+            <a:avLst/>
+          </a:prstGeom>
+          <a:noFill/>
+          <a:ln w="28575">
+            <a:noFill/>
+          </a:ln>
+        </p:spPr>
+        <p:style>
+          <a:lnRef idx="2">
+            <a:schemeClr val="accent1">
+              <a:shade val="50000"/>
+            </a:schemeClr>
+          </a:lnRef>
+          <a:fillRef idx="1">
+            <a:schemeClr val="accent1"/>
+          </a:fillRef>
+          <a:effectRef idx="0">
+            <a:schemeClr val="accent1"/>
+          </a:effectRef>
+          <a:fontRef idx="minor">
+            <a:schemeClr val="lt1"/>
+          </a:fontRef>
+        </p:style>
+        <p:txBody>
+          <a:bodyPr rtlCol="0" anchor="ctr"/>
+          <a:lstStyle/>
+          <a:p>
+            <a:pPr algn="ctr"/>
+            <a:r>
+              <a:rPr lang="en-US" dirty="0">
+                <a:solidFill>
+                  <a:schemeClr val="tx1"/>
+                </a:solidFill>
+              </a:rPr>
+              <a:t>lateral feedback</a:t>
+            </a:r>
+          </a:p>
+        </p:txBody>
+      </p:sp>
+      <p:cxnSp>
+        <p:nvCxnSpPr>
+          <p:cNvPr id="37" name="Connector: Elbow 36">
+            <a:extLst>
+              <a:ext uri="{FF2B5EF4-FFF2-40B4-BE49-F238E27FC236}">
+                <a16:creationId xmlns:a16="http://schemas.microsoft.com/office/drawing/2014/main" id="{E262876A-224A-4540-A5D5-EE73C82FB71A}"/>
+              </a:ext>
+            </a:extLst>
+          </p:cNvPr>
+          <p:cNvCxnSpPr>
+            <a:cxnSpLocks/>
+            <a:stCxn id="4" idx="3"/>
+            <a:endCxn id="4" idx="2"/>
+          </p:cNvCxnSpPr>
+          <p:nvPr/>
+        </p:nvCxnSpPr>
+        <p:spPr>
+          <a:xfrm flipH="1">
+            <a:off x="6654832" y="3917796"/>
+            <a:ext cx="759873" cy="404766"/>
+          </a:xfrm>
+          <a:prstGeom prst="bentConnector4">
+            <a:avLst>
+              <a:gd name="adj1" fmla="val -23074"/>
+              <a:gd name="adj2" fmla="val 147704"/>
+            </a:avLst>
+          </a:prstGeom>
+          <a:ln w="28575">
+            <a:solidFill>
+              <a:schemeClr val="tx1"/>
+            </a:solidFill>
+            <a:tailEnd type="triangle"/>
+          </a:ln>
+        </p:spPr>
+        <p:style>
+          <a:lnRef idx="1">
+            <a:schemeClr val="accent1"/>
+          </a:lnRef>
+          <a:fillRef idx="0">
+            <a:schemeClr val="accent1"/>
+          </a:fillRef>
+          <a:effectRef idx="0">
+            <a:schemeClr val="accent1"/>
+          </a:effectRef>
+          <a:fontRef idx="minor">
+            <a:schemeClr val="tx1"/>
+          </a:fontRef>
+        </p:style>
+      </p:cxnSp>
+      <p:cxnSp>
+        <p:nvCxnSpPr>
+          <p:cNvPr id="43" name="Connector: Elbow 42">
+            <a:extLst>
+              <a:ext uri="{FF2B5EF4-FFF2-40B4-BE49-F238E27FC236}">
+                <a16:creationId xmlns:a16="http://schemas.microsoft.com/office/drawing/2014/main" id="{35FA5C1F-C0F4-4A5D-A7CC-B1D793323590}"/>
+              </a:ext>
+            </a:extLst>
+          </p:cNvPr>
+          <p:cNvCxnSpPr>
+            <a:cxnSpLocks/>
+            <a:stCxn id="5" idx="0"/>
+            <a:endCxn id="5" idx="3"/>
+          </p:cNvCxnSpPr>
+          <p:nvPr/>
+        </p:nvCxnSpPr>
+        <p:spPr>
+          <a:xfrm rot="16200000" flipH="1">
+            <a:off x="6832385" y="1747854"/>
+            <a:ext cx="404766" cy="759873"/>
+          </a:xfrm>
+          <a:prstGeom prst="bentConnector4">
+            <a:avLst>
+              <a:gd name="adj1" fmla="val -56477"/>
+              <a:gd name="adj2" fmla="val 130084"/>
+            </a:avLst>
+          </a:prstGeom>
+          <a:ln w="28575">
+            <a:solidFill>
+              <a:schemeClr val="tx1"/>
+            </a:solidFill>
+            <a:tailEnd type="triangle"/>
+          </a:ln>
+        </p:spPr>
+        <p:style>
+          <a:lnRef idx="1">
+            <a:schemeClr val="accent1"/>
+          </a:lnRef>
+          <a:fillRef idx="0">
+            <a:schemeClr val="accent1"/>
+          </a:fillRef>
+          <a:effectRef idx="0">
+            <a:schemeClr val="accent1"/>
+          </a:effectRef>
+          <a:fontRef idx="minor">
+            <a:schemeClr val="tx1"/>
+          </a:fontRef>
+        </p:style>
+      </p:cxnSp>
+      <p:sp>
+        <p:nvSpPr>
+          <p:cNvPr id="44" name="Rectangle 43">
+            <a:extLst>
+              <a:ext uri="{FF2B5EF4-FFF2-40B4-BE49-F238E27FC236}">
+                <a16:creationId xmlns:a16="http://schemas.microsoft.com/office/drawing/2014/main" id="{30A777BF-7FF6-4DD2-AD08-82CA95AB318F}"/>
+              </a:ext>
+            </a:extLst>
+          </p:cNvPr>
+          <p:cNvSpPr/>
+          <p:nvPr/>
+        </p:nvSpPr>
+        <p:spPr>
+          <a:xfrm>
+            <a:off x="7661699" y="1640007"/>
+            <a:ext cx="1519746" cy="632940"/>
+          </a:xfrm>
+          <a:prstGeom prst="rect">
+            <a:avLst/>
+          </a:prstGeom>
+          <a:noFill/>
+          <a:ln w="28575">
+            <a:noFill/>
+          </a:ln>
+        </p:spPr>
+        <p:style>
+          <a:lnRef idx="2">
+            <a:schemeClr val="accent1">
+              <a:shade val="50000"/>
+            </a:schemeClr>
+          </a:lnRef>
+          <a:fillRef idx="1">
+            <a:schemeClr val="accent1"/>
+          </a:fillRef>
+          <a:effectRef idx="0">
+            <a:schemeClr val="accent1"/>
+          </a:effectRef>
+          <a:fontRef idx="minor">
+            <a:schemeClr val="lt1"/>
+          </a:fontRef>
+        </p:style>
+        <p:txBody>
+          <a:bodyPr rtlCol="0" anchor="ctr"/>
+          <a:lstStyle/>
+          <a:p>
+            <a:pPr>
+              <a:lnSpc>
+                <a:spcPts val="1600"/>
+              </a:lnSpc>
+            </a:pPr>
+            <a:r>
+              <a:rPr lang="en-US" dirty="0">
+                <a:solidFill>
+                  <a:schemeClr val="tx1"/>
+                </a:solidFill>
+              </a:rPr>
+              <a:t>exponential decay</a:t>
+            </a:r>
+          </a:p>
+        </p:txBody>
+      </p:sp>
+      <p:sp>
+        <p:nvSpPr>
+          <p:cNvPr id="45" name="Rectangle 44">
+            <a:extLst>
+              <a:ext uri="{FF2B5EF4-FFF2-40B4-BE49-F238E27FC236}">
+                <a16:creationId xmlns:a16="http://schemas.microsoft.com/office/drawing/2014/main" id="{97E6ECA6-D887-4B92-A8BF-115937BD7A3F}"/>
+              </a:ext>
+            </a:extLst>
+          </p:cNvPr>
+          <p:cNvSpPr/>
+          <p:nvPr/>
+        </p:nvSpPr>
+        <p:spPr>
+          <a:xfrm>
+            <a:off x="6585290" y="4484236"/>
+            <a:ext cx="1519746" cy="632940"/>
+          </a:xfrm>
+          <a:prstGeom prst="rect">
+            <a:avLst/>
+          </a:prstGeom>
+          <a:noFill/>
+          <a:ln w="28575">
+            <a:noFill/>
+          </a:ln>
+        </p:spPr>
+        <p:style>
+          <a:lnRef idx="2">
+            <a:schemeClr val="accent1">
+              <a:shade val="50000"/>
+            </a:schemeClr>
+          </a:lnRef>
+          <a:fillRef idx="1">
+            <a:schemeClr val="accent1"/>
+          </a:fillRef>
+          <a:effectRef idx="0">
+            <a:schemeClr val="accent1"/>
+          </a:effectRef>
+          <a:fontRef idx="minor">
+            <a:schemeClr val="lt1"/>
+          </a:fontRef>
+        </p:style>
+        <p:txBody>
+          <a:bodyPr rtlCol="0" anchor="ctr"/>
+          <a:lstStyle/>
+          <a:p>
+            <a:pPr>
+              <a:lnSpc>
+                <a:spcPts val="1600"/>
+              </a:lnSpc>
+            </a:pPr>
+            <a:r>
+              <a:rPr lang="en-US" dirty="0">
+                <a:solidFill>
+                  <a:schemeClr val="tx1"/>
+                </a:solidFill>
+              </a:rPr>
+              <a:t>exponential decay</a:t>
+            </a:r>
+          </a:p>
+        </p:txBody>
+      </p:sp>
+      <p:cxnSp>
+        <p:nvCxnSpPr>
+          <p:cNvPr id="32" name="Straight Arrow Connector 31">
+            <a:extLst>
+              <a:ext uri="{FF2B5EF4-FFF2-40B4-BE49-F238E27FC236}">
+                <a16:creationId xmlns:a16="http://schemas.microsoft.com/office/drawing/2014/main" id="{D56B8DC4-9108-484F-97B1-5F2BA0426466}"/>
+              </a:ext>
+            </a:extLst>
+          </p:cNvPr>
+          <p:cNvCxnSpPr>
+            <a:cxnSpLocks/>
+            <a:stCxn id="4" idx="3"/>
+            <a:endCxn id="7" idx="1"/>
+          </p:cNvCxnSpPr>
+          <p:nvPr/>
+        </p:nvCxnSpPr>
+        <p:spPr>
+          <a:xfrm>
+            <a:off x="7414705" y="3917796"/>
+            <a:ext cx="1313710" cy="0"/>
+          </a:xfrm>
+          <a:prstGeom prst="straightConnector1">
+            <a:avLst/>
+          </a:prstGeom>
+          <a:ln w="28575">
+            <a:solidFill>
+              <a:schemeClr val="tx1"/>
+            </a:solidFill>
+            <a:tailEnd type="triangle"/>
+          </a:ln>
+        </p:spPr>
+        <p:style>
+          <a:lnRef idx="1">
+            <a:schemeClr val="accent1"/>
+          </a:lnRef>
+          <a:fillRef idx="0">
+            <a:schemeClr val="accent1"/>
+          </a:fillRef>
+          <a:effectRef idx="0">
+            <a:schemeClr val="accent1"/>
+          </a:effectRef>
+          <a:fontRef idx="minor">
+            <a:schemeClr val="tx1"/>
+          </a:fontRef>
+        </p:style>
+      </p:cxnSp>
+    </p:spTree>
+    <p:extLst>
+      <p:ext uri="{BB962C8B-B14F-4D97-AF65-F5344CB8AC3E}">
+        <p14:creationId xmlns:p14="http://schemas.microsoft.com/office/powerpoint/2010/main" val="2851041144"/>
+      </p:ext>
+    </p:extLst>
+  </p:cSld>
+  <p:clrMapOvr>
+    <a:masterClrMapping/>
+  </p:clrMapOvr>
+</p:sld>
+</file>
+
+<file path=ppt/slides/slide4.xml><?xml version="1.0" encoding="utf-8"?>
+<p:sld xmlns:a="http://schemas.openxmlformats.org/drawingml/2006/main" xmlns:r="http://schemas.openxmlformats.org/officeDocument/2006/relationships" xmlns:p="http://schemas.openxmlformats.org/presentationml/2006/main">
+  <p:cSld>
+    <p:spTree>
+      <p:nvGrpSpPr>
+        <p:cNvPr id="1" name=""/>
+        <p:cNvGrpSpPr/>
+        <p:nvPr/>
+      </p:nvGrpSpPr>
+      <p:grpSpPr>
+        <a:xfrm>
+          <a:off x="0" y="0"/>
+          <a:ext cx="0" cy="0"/>
+          <a:chOff x="0" y="0"/>
+          <a:chExt cx="0" cy="0"/>
+        </a:xfrm>
+      </p:grpSpPr>
+      <p:sp>
+        <p:nvSpPr>
+          <p:cNvPr id="4" name="Rectangle 3">
+            <a:extLst>
+              <a:ext uri="{FF2B5EF4-FFF2-40B4-BE49-F238E27FC236}">
+                <a16:creationId xmlns:a16="http://schemas.microsoft.com/office/drawing/2014/main" id="{12921C4E-9CCC-44EB-853D-495EBC27C006}"/>
+              </a:ext>
+            </a:extLst>
+          </p:cNvPr>
+          <p:cNvSpPr/>
+          <p:nvPr/>
+        </p:nvSpPr>
+        <p:spPr>
+          <a:xfrm>
+            <a:off x="5894959" y="3513030"/>
+            <a:ext cx="1519746" cy="809532"/>
+          </a:xfrm>
+          <a:prstGeom prst="rect">
+            <a:avLst/>
+          </a:prstGeom>
+          <a:noFill/>
+          <a:ln w="28575">
+            <a:solidFill>
+              <a:schemeClr val="tx1"/>
+            </a:solidFill>
+          </a:ln>
+        </p:spPr>
+        <p:style>
+          <a:lnRef idx="2">
+            <a:schemeClr val="accent1">
+              <a:shade val="50000"/>
+            </a:schemeClr>
+          </a:lnRef>
+          <a:fillRef idx="1">
+            <a:schemeClr val="accent1"/>
+          </a:fillRef>
+          <a:effectRef idx="0">
+            <a:schemeClr val="accent1"/>
+          </a:effectRef>
+          <a:fontRef idx="minor">
+            <a:schemeClr val="lt1"/>
+          </a:fontRef>
+        </p:style>
+        <p:txBody>
+          <a:bodyPr rtlCol="0" anchor="ctr"/>
+          <a:lstStyle/>
+          <a:p>
+            <a:pPr algn="ctr"/>
+            <a:r>
+              <a:rPr lang="en-US" dirty="0">
+                <a:solidFill>
+                  <a:schemeClr val="tx1"/>
+                </a:solidFill>
+              </a:rPr>
+              <a:t>V</a:t>
+            </a:r>
+            <a:r>
+              <a:rPr lang="en-US" sz="2000" dirty="0">
+                <a:solidFill>
+                  <a:schemeClr val="tx1"/>
+                </a:solidFill>
+              </a:rPr>
+              <a:t>(t)</a:t>
+            </a:r>
+            <a:endParaRPr lang="en-US" dirty="0">
+              <a:solidFill>
+                <a:schemeClr val="tx1"/>
+              </a:solidFill>
+            </a:endParaRPr>
+          </a:p>
+        </p:txBody>
+      </p:sp>
+      <p:sp>
+        <p:nvSpPr>
+          <p:cNvPr id="7" name="Rectangle 6">
+            <a:extLst>
+              <a:ext uri="{FF2B5EF4-FFF2-40B4-BE49-F238E27FC236}">
+                <a16:creationId xmlns:a16="http://schemas.microsoft.com/office/drawing/2014/main" id="{A41FF5D2-7AB9-41C9-BBEC-8EAFE0C470BF}"/>
+              </a:ext>
+            </a:extLst>
+          </p:cNvPr>
+          <p:cNvSpPr/>
+          <p:nvPr/>
+        </p:nvSpPr>
+        <p:spPr>
+          <a:xfrm>
+            <a:off x="8728415" y="3513030"/>
+            <a:ext cx="1519746" cy="809532"/>
+          </a:xfrm>
+          <a:prstGeom prst="rect">
+            <a:avLst/>
+          </a:prstGeom>
+          <a:noFill/>
+          <a:ln w="28575">
+            <a:solidFill>
+              <a:schemeClr val="tx1"/>
+            </a:solidFill>
+          </a:ln>
+        </p:spPr>
+        <p:style>
+          <a:lnRef idx="2">
+            <a:schemeClr val="accent1">
+              <a:shade val="50000"/>
+            </a:schemeClr>
+          </a:lnRef>
+          <a:fillRef idx="1">
+            <a:schemeClr val="accent1"/>
+          </a:fillRef>
+          <a:effectRef idx="0">
+            <a:schemeClr val="accent1"/>
+          </a:effectRef>
+          <a:fontRef idx="minor">
+            <a:schemeClr val="lt1"/>
+          </a:fontRef>
+        </p:style>
+        <p:txBody>
+          <a:bodyPr rtlCol="0" anchor="ctr"/>
+          <a:lstStyle/>
+          <a:p>
+            <a:pPr algn="ctr"/>
+            <a:r>
+              <a:rPr lang="en-US" dirty="0">
+                <a:solidFill>
+                  <a:schemeClr val="tx1"/>
+                </a:solidFill>
+              </a:rPr>
+              <a:t>s(</a:t>
+            </a:r>
+            <a:r>
+              <a:rPr lang="en-US" sz="2000" dirty="0">
+                <a:solidFill>
+                  <a:schemeClr val="tx1"/>
+                </a:solidFill>
+              </a:rPr>
+              <a:t>t)</a:t>
+            </a:r>
+            <a:endParaRPr lang="en-US" dirty="0">
+              <a:solidFill>
+                <a:schemeClr val="tx1"/>
+              </a:solidFill>
+            </a:endParaRPr>
+          </a:p>
+        </p:txBody>
+      </p:sp>
+      <p:cxnSp>
+        <p:nvCxnSpPr>
+          <p:cNvPr id="23" name="Straight Arrow Connector 22">
+            <a:extLst>
+              <a:ext uri="{FF2B5EF4-FFF2-40B4-BE49-F238E27FC236}">
+                <a16:creationId xmlns:a16="http://schemas.microsoft.com/office/drawing/2014/main" id="{99F125CC-24F8-4874-838E-C23419871FCF}"/>
+              </a:ext>
+            </a:extLst>
+          </p:cNvPr>
+          <p:cNvCxnSpPr>
+            <a:cxnSpLocks/>
+          </p:cNvCxnSpPr>
+          <p:nvPr/>
+        </p:nvCxnSpPr>
+        <p:spPr>
+          <a:xfrm>
+            <a:off x="10248161" y="3917795"/>
+            <a:ext cx="682995" cy="0"/>
+          </a:xfrm>
+          <a:prstGeom prst="straightConnector1">
+            <a:avLst/>
+          </a:prstGeom>
+          <a:ln w="28575">
+            <a:solidFill>
+              <a:schemeClr val="tx1"/>
+            </a:solidFill>
+            <a:tailEnd type="triangle"/>
+          </a:ln>
+        </p:spPr>
+        <p:style>
+          <a:lnRef idx="1">
+            <a:schemeClr val="accent1"/>
+          </a:lnRef>
+          <a:fillRef idx="0">
+            <a:schemeClr val="accent1"/>
+          </a:fillRef>
+          <a:effectRef idx="0">
+            <a:schemeClr val="accent1"/>
+          </a:effectRef>
+          <a:fontRef idx="minor">
+            <a:schemeClr val="tx1"/>
+          </a:fontRef>
+        </p:style>
+      </p:cxnSp>
+      <p:cxnSp>
+        <p:nvCxnSpPr>
+          <p:cNvPr id="31" name="Straight Arrow Connector 30">
+            <a:extLst>
+              <a:ext uri="{FF2B5EF4-FFF2-40B4-BE49-F238E27FC236}">
+                <a16:creationId xmlns:a16="http://schemas.microsoft.com/office/drawing/2014/main" id="{08EBD43E-16BB-4511-B58D-73FC12375EB1}"/>
+              </a:ext>
+            </a:extLst>
+          </p:cNvPr>
+          <p:cNvCxnSpPr/>
+          <p:nvPr/>
+        </p:nvCxnSpPr>
+        <p:spPr>
+          <a:xfrm>
+            <a:off x="5185208" y="3917795"/>
+            <a:ext cx="682995" cy="0"/>
+          </a:xfrm>
+          <a:prstGeom prst="straightConnector1">
+            <a:avLst/>
+          </a:prstGeom>
+          <a:ln w="28575">
+            <a:solidFill>
+              <a:schemeClr val="tx1"/>
+            </a:solidFill>
+            <a:tailEnd type="triangle"/>
+          </a:ln>
+        </p:spPr>
+        <p:style>
+          <a:lnRef idx="1">
+            <a:schemeClr val="accent1"/>
+          </a:lnRef>
+          <a:fillRef idx="0">
+            <a:schemeClr val="accent1"/>
+          </a:fillRef>
+          <a:effectRef idx="0">
+            <a:schemeClr val="accent1"/>
+          </a:effectRef>
+          <a:fontRef idx="minor">
+            <a:schemeClr val="tx1"/>
+          </a:fontRef>
+        </p:style>
+      </p:cxnSp>
+      <p:cxnSp>
+        <p:nvCxnSpPr>
+          <p:cNvPr id="37" name="Connector: Elbow 36">
+            <a:extLst>
+              <a:ext uri="{FF2B5EF4-FFF2-40B4-BE49-F238E27FC236}">
+                <a16:creationId xmlns:a16="http://schemas.microsoft.com/office/drawing/2014/main" id="{E262876A-224A-4540-A5D5-EE73C82FB71A}"/>
+              </a:ext>
+            </a:extLst>
+          </p:cNvPr>
+          <p:cNvCxnSpPr>
+            <a:cxnSpLocks/>
+            <a:stCxn id="7" idx="0"/>
+            <a:endCxn id="4" idx="0"/>
+          </p:cNvCxnSpPr>
+          <p:nvPr/>
+        </p:nvCxnSpPr>
+        <p:spPr>
+          <a:xfrm rot="16200000" flipV="1">
+            <a:off x="8071560" y="2096302"/>
+            <a:ext cx="12700" cy="2833456"/>
+          </a:xfrm>
+          <a:prstGeom prst="bentConnector3">
+            <a:avLst>
+              <a:gd name="adj1" fmla="val 1800000"/>
+            </a:avLst>
+          </a:prstGeom>
+          <a:ln w="28575">
+            <a:solidFill>
+              <a:schemeClr val="tx1"/>
+            </a:solidFill>
+            <a:tailEnd type="triangle"/>
+          </a:ln>
+        </p:spPr>
+        <p:style>
+          <a:lnRef idx="1">
+            <a:schemeClr val="accent1"/>
+          </a:lnRef>
+          <a:fillRef idx="0">
+            <a:schemeClr val="accent1"/>
+          </a:fillRef>
+          <a:effectRef idx="0">
+            <a:schemeClr val="accent1"/>
+          </a:effectRef>
+          <a:fontRef idx="minor">
+            <a:schemeClr val="tx1"/>
+          </a:fontRef>
+        </p:style>
+      </p:cxnSp>
+      <p:sp>
+        <p:nvSpPr>
+          <p:cNvPr id="45" name="Rectangle 44">
+            <a:extLst>
+              <a:ext uri="{FF2B5EF4-FFF2-40B4-BE49-F238E27FC236}">
+                <a16:creationId xmlns:a16="http://schemas.microsoft.com/office/drawing/2014/main" id="{97E6ECA6-D887-4B92-A8BF-115937BD7A3F}"/>
+              </a:ext>
+            </a:extLst>
+          </p:cNvPr>
+          <p:cNvSpPr/>
+          <p:nvPr/>
+        </p:nvSpPr>
+        <p:spPr>
+          <a:xfrm>
+            <a:off x="7255755" y="2716198"/>
+            <a:ext cx="1644310" cy="591273"/>
+          </a:xfrm>
+          <a:prstGeom prst="rect">
+            <a:avLst/>
+          </a:prstGeom>
+          <a:noFill/>
+          <a:ln w="28575">
+            <a:noFill/>
+          </a:ln>
+        </p:spPr>
+        <p:style>
+          <a:lnRef idx="2">
+            <a:schemeClr val="accent1">
+              <a:shade val="50000"/>
+            </a:schemeClr>
+          </a:lnRef>
+          <a:fillRef idx="1">
+            <a:schemeClr val="accent1"/>
+          </a:fillRef>
+          <a:effectRef idx="0">
+            <a:schemeClr val="accent1"/>
+          </a:effectRef>
+          <a:fontRef idx="minor">
+            <a:schemeClr val="lt1"/>
+          </a:fontRef>
+        </p:style>
+        <p:txBody>
+          <a:bodyPr rtlCol="0" anchor="ctr"/>
+          <a:lstStyle/>
+          <a:p>
+            <a:pPr>
+              <a:lnSpc>
+                <a:spcPts val="1600"/>
+              </a:lnSpc>
+            </a:pPr>
+            <a:r>
+              <a:rPr lang="en-US" dirty="0">
+                <a:solidFill>
+                  <a:schemeClr val="tx1"/>
+                </a:solidFill>
+              </a:rPr>
+              <a:t>recurrent connection</a:t>
+            </a:r>
+          </a:p>
+        </p:txBody>
+      </p:sp>
+      <p:cxnSp>
+        <p:nvCxnSpPr>
+          <p:cNvPr id="32" name="Straight Arrow Connector 31">
+            <a:extLst>
+              <a:ext uri="{FF2B5EF4-FFF2-40B4-BE49-F238E27FC236}">
+                <a16:creationId xmlns:a16="http://schemas.microsoft.com/office/drawing/2014/main" id="{D56B8DC4-9108-484F-97B1-5F2BA0426466}"/>
+              </a:ext>
+            </a:extLst>
+          </p:cNvPr>
+          <p:cNvCxnSpPr>
+            <a:cxnSpLocks/>
+            <a:stCxn id="4" idx="3"/>
+            <a:endCxn id="7" idx="1"/>
+          </p:cNvCxnSpPr>
+          <p:nvPr/>
+        </p:nvCxnSpPr>
+        <p:spPr>
+          <a:xfrm>
+            <a:off x="7414705" y="3917796"/>
+            <a:ext cx="1313710" cy="0"/>
+          </a:xfrm>
+          <a:prstGeom prst="straightConnector1">
+            <a:avLst/>
+          </a:prstGeom>
+          <a:ln w="28575">
+            <a:solidFill>
+              <a:schemeClr val="tx1"/>
+            </a:solidFill>
+            <a:tailEnd type="triangle"/>
+          </a:ln>
+        </p:spPr>
+        <p:style>
+          <a:lnRef idx="1">
+            <a:schemeClr val="accent1"/>
+          </a:lnRef>
+          <a:fillRef idx="0">
+            <a:schemeClr val="accent1"/>
+          </a:fillRef>
+          <a:effectRef idx="0">
+            <a:schemeClr val="accent1"/>
+          </a:effectRef>
+          <a:fontRef idx="minor">
+            <a:schemeClr val="tx1"/>
+          </a:fontRef>
+        </p:style>
+      </p:cxnSp>
+      <p:sp>
+        <p:nvSpPr>
+          <p:cNvPr id="28" name="Rectangle 27">
+            <a:extLst>
+              <a:ext uri="{FF2B5EF4-FFF2-40B4-BE49-F238E27FC236}">
+                <a16:creationId xmlns:a16="http://schemas.microsoft.com/office/drawing/2014/main" id="{F320E212-C815-4934-9693-6E199CD0E5AE}"/>
+              </a:ext>
+            </a:extLst>
+          </p:cNvPr>
+          <p:cNvSpPr/>
+          <p:nvPr/>
+        </p:nvSpPr>
+        <p:spPr>
+          <a:xfrm>
+            <a:off x="7414705" y="3838283"/>
+            <a:ext cx="1644310" cy="591273"/>
+          </a:xfrm>
+          <a:prstGeom prst="rect">
+            <a:avLst/>
+          </a:prstGeom>
+          <a:noFill/>
+          <a:ln w="28575">
+            <a:noFill/>
+          </a:ln>
+        </p:spPr>
+        <p:style>
+          <a:lnRef idx="2">
+            <a:schemeClr val="accent1">
+              <a:shade val="50000"/>
+            </a:schemeClr>
+          </a:lnRef>
+          <a:fillRef idx="1">
+            <a:schemeClr val="accent1"/>
+          </a:fillRef>
+          <a:effectRef idx="0">
+            <a:schemeClr val="accent1"/>
+          </a:effectRef>
+          <a:fontRef idx="minor">
+            <a:schemeClr val="lt1"/>
+          </a:fontRef>
+        </p:style>
+        <p:txBody>
+          <a:bodyPr rtlCol="0" anchor="ctr"/>
+          <a:lstStyle/>
+          <a:p>
+            <a:pPr>
+              <a:lnSpc>
+                <a:spcPts val="1600"/>
+              </a:lnSpc>
+            </a:pPr>
+            <a:r>
+              <a:rPr lang="en-US" dirty="0">
+                <a:solidFill>
+                  <a:schemeClr val="tx1"/>
+                </a:solidFill>
+              </a:rPr>
+              <a:t>nonlinearity</a:t>
+            </a:r>
+          </a:p>
+        </p:txBody>
+      </p:sp>
+    </p:spTree>
+    <p:extLst>
+      <p:ext uri="{BB962C8B-B14F-4D97-AF65-F5344CB8AC3E}">
+        <p14:creationId xmlns:p14="http://schemas.microsoft.com/office/powerpoint/2010/main" val="4189479110"/>
+      </p:ext>
+    </p:extLst>
+  </p:cSld>
+  <p:clrMapOvr>
+    <a:masterClrMapping/>
+  </p:clrMapOvr>
+</p:sld>
+</file>
+
+<file path=ppt/slides/slide5.xml><?xml version="1.0" encoding="utf-8"?>
+<p:sld xmlns:a="http://schemas.openxmlformats.org/drawingml/2006/main" xmlns:r="http://schemas.openxmlformats.org/officeDocument/2006/relationships" xmlns:p="http://schemas.openxmlformats.org/presentationml/2006/main">
+  <p:cSld>
+    <p:spTree>
+      <p:nvGrpSpPr>
+        <p:cNvPr id="1" name=""/>
+        <p:cNvGrpSpPr/>
+        <p:nvPr/>
+      </p:nvGrpSpPr>
+      <p:grpSpPr>
+        <a:xfrm>
+          <a:off x="0" y="0"/>
+          <a:ext cx="0" cy="0"/>
+          <a:chOff x="0" y="0"/>
+          <a:chExt cx="0" cy="0"/>
+        </a:xfrm>
+      </p:grpSpPr>
+      <p:sp>
+        <p:nvSpPr>
+          <p:cNvPr id="47" name="Freeform: Shape 46">
+            <a:extLst>
+              <a:ext uri="{FF2B5EF4-FFF2-40B4-BE49-F238E27FC236}">
+                <a16:creationId xmlns:a16="http://schemas.microsoft.com/office/drawing/2014/main" id="{797B2860-F799-4A7A-B89D-D3CEF2B867CC}"/>
+              </a:ext>
+            </a:extLst>
+          </p:cNvPr>
+          <p:cNvSpPr/>
+          <p:nvPr/>
+        </p:nvSpPr>
+        <p:spPr>
+          <a:xfrm>
+            <a:off x="658138" y="3250850"/>
+            <a:ext cx="943251" cy="412150"/>
+          </a:xfrm>
+          <a:custGeom>
+            <a:avLst/>
+            <a:gdLst>
+              <a:gd name="connsiteX0" fmla="*/ 0 w 914400"/>
+              <a:gd name="connsiteY0" fmla="*/ 163575 h 412150"/>
+              <a:gd name="connsiteX1" fmla="*/ 275208 w 914400"/>
+              <a:gd name="connsiteY1" fmla="*/ 3777 h 412150"/>
+              <a:gd name="connsiteX2" fmla="*/ 630315 w 914400"/>
+              <a:gd name="connsiteY2" fmla="*/ 305618 h 412150"/>
+              <a:gd name="connsiteX3" fmla="*/ 914400 w 914400"/>
+              <a:gd name="connsiteY3" fmla="*/ 412150 h 412150"/>
+              <a:gd name="connsiteX4" fmla="*/ 914400 w 914400"/>
+              <a:gd name="connsiteY4" fmla="*/ 412150 h 412150"/>
+              <a:gd name="connsiteX5" fmla="*/ 914400 w 914400"/>
+              <a:gd name="connsiteY5" fmla="*/ 412150 h 412150"/>
+            </a:gdLst>
+            <a:ahLst/>
+            <a:cxnLst>
+              <a:cxn ang="0">
+                <a:pos x="connsiteX0" y="connsiteY0"/>
+              </a:cxn>
+              <a:cxn ang="0">
+                <a:pos x="connsiteX1" y="connsiteY1"/>
+              </a:cxn>
+              <a:cxn ang="0">
+                <a:pos x="connsiteX2" y="connsiteY2"/>
+              </a:cxn>
+              <a:cxn ang="0">
+                <a:pos x="connsiteX3" y="connsiteY3"/>
+              </a:cxn>
+              <a:cxn ang="0">
+                <a:pos x="connsiteX4" y="connsiteY4"/>
+              </a:cxn>
+              <a:cxn ang="0">
+                <a:pos x="connsiteX5" y="connsiteY5"/>
+              </a:cxn>
+            </a:cxnLst>
+            <a:rect l="l" t="t" r="r" b="b"/>
+            <a:pathLst>
+              <a:path w="914400" h="412150">
+                <a:moveTo>
+                  <a:pt x="0" y="163575"/>
+                </a:moveTo>
+                <a:cubicBezTo>
+                  <a:pt x="85078" y="71839"/>
+                  <a:pt x="170156" y="-19897"/>
+                  <a:pt x="275208" y="3777"/>
+                </a:cubicBezTo>
+                <a:cubicBezTo>
+                  <a:pt x="380260" y="27451"/>
+                  <a:pt x="523783" y="237556"/>
+                  <a:pt x="630315" y="305618"/>
+                </a:cubicBezTo>
+                <a:cubicBezTo>
+                  <a:pt x="736847" y="373680"/>
+                  <a:pt x="914400" y="412150"/>
+                  <a:pt x="914400" y="412150"/>
+                </a:cubicBezTo>
+                <a:lnTo>
+                  <a:pt x="914400" y="412150"/>
+                </a:lnTo>
+                <a:lnTo>
+                  <a:pt x="914400" y="412150"/>
+                </a:lnTo>
+              </a:path>
+            </a:pathLst>
+          </a:custGeom>
+          <a:noFill/>
+          <a:ln w="76200">
+            <a:solidFill>
+              <a:schemeClr val="tx1">
+                <a:lumMod val="50000"/>
+                <a:lumOff val="50000"/>
+              </a:schemeClr>
+            </a:solidFill>
+          </a:ln>
+        </p:spPr>
+        <p:style>
+          <a:lnRef idx="2">
+            <a:schemeClr val="accent1">
+              <a:shade val="50000"/>
+            </a:schemeClr>
+          </a:lnRef>
+          <a:fillRef idx="1">
+            <a:schemeClr val="accent1"/>
+          </a:fillRef>
+          <a:effectRef idx="0">
+            <a:schemeClr val="accent1"/>
+          </a:effectRef>
+          <a:fontRef idx="minor">
+            <a:schemeClr val="lt1"/>
+          </a:fontRef>
+        </p:style>
+        <p:txBody>
+          <a:bodyPr rtlCol="0" anchor="ctr"/>
+          <a:lstStyle/>
+          <a:p>
+            <a:pPr algn="ctr"/>
+            <a:endParaRPr lang="en-US"/>
+          </a:p>
+        </p:txBody>
+      </p:sp>
+      <p:grpSp>
+        <p:nvGrpSpPr>
+          <p:cNvPr id="48" name="Group 47">
+            <a:extLst>
+              <a:ext uri="{FF2B5EF4-FFF2-40B4-BE49-F238E27FC236}">
+                <a16:creationId xmlns:a16="http://schemas.microsoft.com/office/drawing/2014/main" id="{51DAB804-A677-4512-AE6F-E81CB9268828}"/>
+              </a:ext>
+            </a:extLst>
+          </p:cNvPr>
+          <p:cNvGrpSpPr/>
+          <p:nvPr/>
+        </p:nvGrpSpPr>
+        <p:grpSpPr>
+          <a:xfrm>
+            <a:off x="622625" y="2790767"/>
+            <a:ext cx="978763" cy="978763"/>
+            <a:chOff x="603679" y="2405847"/>
+            <a:chExt cx="978763" cy="978763"/>
+          </a:xfrm>
+        </p:grpSpPr>
+        <p:cxnSp>
+          <p:nvCxnSpPr>
+            <p:cNvPr id="50" name="Straight Connector 49">
+              <a:extLst>
+                <a:ext uri="{FF2B5EF4-FFF2-40B4-BE49-F238E27FC236}">
+                  <a16:creationId xmlns:a16="http://schemas.microsoft.com/office/drawing/2014/main" id="{D1D0A667-7EE6-4030-AEC5-72545668EAC4}"/>
+                </a:ext>
+              </a:extLst>
+            </p:cNvPr>
+            <p:cNvCxnSpPr>
+              <a:cxnSpLocks/>
+            </p:cNvCxnSpPr>
+            <p:nvPr/>
+          </p:nvCxnSpPr>
+          <p:spPr>
+            <a:xfrm>
+              <a:off x="639192" y="2405847"/>
+              <a:ext cx="0" cy="978763"/>
+            </a:xfrm>
+            <a:prstGeom prst="line">
+              <a:avLst/>
+            </a:prstGeom>
+            <a:ln w="76200"/>
+          </p:spPr>
+          <p:style>
+            <a:lnRef idx="1">
+              <a:schemeClr val="dk1"/>
+            </a:lnRef>
+            <a:fillRef idx="0">
+              <a:schemeClr val="dk1"/>
+            </a:fillRef>
+            <a:effectRef idx="0">
+              <a:schemeClr val="dk1"/>
+            </a:effectRef>
+            <a:fontRef idx="minor">
+              <a:schemeClr val="tx1"/>
+            </a:fontRef>
+          </p:style>
+        </p:cxnSp>
+        <p:cxnSp>
+          <p:nvCxnSpPr>
+            <p:cNvPr id="52" name="Straight Connector 51">
+              <a:extLst>
+                <a:ext uri="{FF2B5EF4-FFF2-40B4-BE49-F238E27FC236}">
+                  <a16:creationId xmlns:a16="http://schemas.microsoft.com/office/drawing/2014/main" id="{76B3FE01-6AEB-410D-9227-901C882F7492}"/>
+                </a:ext>
+              </a:extLst>
+            </p:cNvPr>
+            <p:cNvCxnSpPr>
+              <a:cxnSpLocks/>
+            </p:cNvCxnSpPr>
+            <p:nvPr/>
+          </p:nvCxnSpPr>
+          <p:spPr>
+            <a:xfrm rot="16200000">
+              <a:off x="1093061" y="2889235"/>
+              <a:ext cx="0" cy="978763"/>
+            </a:xfrm>
+            <a:prstGeom prst="line">
+              <a:avLst/>
+            </a:prstGeom>
+            <a:ln w="76200"/>
+          </p:spPr>
+          <p:style>
+            <a:lnRef idx="1">
+              <a:schemeClr val="dk1"/>
+            </a:lnRef>
+            <a:fillRef idx="0">
+              <a:schemeClr val="dk1"/>
+            </a:fillRef>
+            <a:effectRef idx="0">
+              <a:schemeClr val="dk1"/>
+            </a:effectRef>
+            <a:fontRef idx="minor">
+              <a:schemeClr val="tx1"/>
+            </a:fontRef>
+          </p:style>
+        </p:cxnSp>
+      </p:grpSp>
+      <p:sp>
+        <p:nvSpPr>
+          <p:cNvPr id="53" name="TextBox 52">
+            <a:extLst>
+              <a:ext uri="{FF2B5EF4-FFF2-40B4-BE49-F238E27FC236}">
+                <a16:creationId xmlns:a16="http://schemas.microsoft.com/office/drawing/2014/main" id="{A51E621D-B4E0-4BBA-998C-B3719A5C03A5}"/>
+              </a:ext>
+            </a:extLst>
+          </p:cNvPr>
+          <p:cNvSpPr txBox="1"/>
+          <p:nvPr/>
+        </p:nvSpPr>
+        <p:spPr>
+          <a:xfrm>
+            <a:off x="313016" y="3923470"/>
+            <a:ext cx="1633494" cy="584775"/>
+          </a:xfrm>
+          <a:prstGeom prst="rect">
+            <a:avLst/>
+          </a:prstGeom>
+          <a:noFill/>
+        </p:spPr>
+        <p:txBody>
+          <a:bodyPr wrap="square" rtlCol="0">
+            <a:spAutoFit/>
+          </a:bodyPr>
+          <a:lstStyle/>
+          <a:p>
+            <a:pPr algn="ctr"/>
+            <a:r>
+              <a:rPr lang="en-US" sz="3200" dirty="0"/>
+              <a:t>Input</a:t>
+            </a:r>
+          </a:p>
+        </p:txBody>
+      </p:sp>
+      <p:sp>
+        <p:nvSpPr>
+          <p:cNvPr id="54" name="Freeform: Shape 53">
+            <a:extLst>
+              <a:ext uri="{FF2B5EF4-FFF2-40B4-BE49-F238E27FC236}">
+                <a16:creationId xmlns:a16="http://schemas.microsoft.com/office/drawing/2014/main" id="{794DD5F6-0214-4C45-9A55-5100EE255E76}"/>
+              </a:ext>
+            </a:extLst>
+          </p:cNvPr>
+          <p:cNvSpPr/>
+          <p:nvPr/>
+        </p:nvSpPr>
+        <p:spPr>
+          <a:xfrm>
+            <a:off x="2466847" y="2976219"/>
+            <a:ext cx="943251" cy="686781"/>
+          </a:xfrm>
+          <a:custGeom>
+            <a:avLst/>
+            <a:gdLst>
+              <a:gd name="connsiteX0" fmla="*/ 0 w 914400"/>
+              <a:gd name="connsiteY0" fmla="*/ 163575 h 412150"/>
+              <a:gd name="connsiteX1" fmla="*/ 275208 w 914400"/>
+              <a:gd name="connsiteY1" fmla="*/ 3777 h 412150"/>
+              <a:gd name="connsiteX2" fmla="*/ 630315 w 914400"/>
+              <a:gd name="connsiteY2" fmla="*/ 305618 h 412150"/>
+              <a:gd name="connsiteX3" fmla="*/ 914400 w 914400"/>
+              <a:gd name="connsiteY3" fmla="*/ 412150 h 412150"/>
+              <a:gd name="connsiteX4" fmla="*/ 914400 w 914400"/>
+              <a:gd name="connsiteY4" fmla="*/ 412150 h 412150"/>
+              <a:gd name="connsiteX5" fmla="*/ 914400 w 914400"/>
+              <a:gd name="connsiteY5" fmla="*/ 412150 h 412150"/>
+            </a:gdLst>
+            <a:ahLst/>
+            <a:cxnLst>
+              <a:cxn ang="0">
+                <a:pos x="connsiteX0" y="connsiteY0"/>
+              </a:cxn>
+              <a:cxn ang="0">
+                <a:pos x="connsiteX1" y="connsiteY1"/>
+              </a:cxn>
+              <a:cxn ang="0">
+                <a:pos x="connsiteX2" y="connsiteY2"/>
+              </a:cxn>
+              <a:cxn ang="0">
+                <a:pos x="connsiteX3" y="connsiteY3"/>
+              </a:cxn>
+              <a:cxn ang="0">
+                <a:pos x="connsiteX4" y="connsiteY4"/>
+              </a:cxn>
+              <a:cxn ang="0">
+                <a:pos x="connsiteX5" y="connsiteY5"/>
+              </a:cxn>
+            </a:cxnLst>
+            <a:rect l="l" t="t" r="r" b="b"/>
+            <a:pathLst>
+              <a:path w="914400" h="412150">
+                <a:moveTo>
+                  <a:pt x="0" y="163575"/>
+                </a:moveTo>
+                <a:cubicBezTo>
+                  <a:pt x="85078" y="71839"/>
+                  <a:pt x="170156" y="-19897"/>
+                  <a:pt x="275208" y="3777"/>
+                </a:cubicBezTo>
+                <a:cubicBezTo>
+                  <a:pt x="380260" y="27451"/>
+                  <a:pt x="523783" y="237556"/>
+                  <a:pt x="630315" y="305618"/>
+                </a:cubicBezTo>
+                <a:cubicBezTo>
+                  <a:pt x="736847" y="373680"/>
+                  <a:pt x="914400" y="412150"/>
+                  <a:pt x="914400" y="412150"/>
+                </a:cubicBezTo>
+                <a:lnTo>
+                  <a:pt x="914400" y="412150"/>
+                </a:lnTo>
+                <a:lnTo>
+                  <a:pt x="914400" y="412150"/>
+                </a:lnTo>
+              </a:path>
+            </a:pathLst>
+          </a:custGeom>
+          <a:noFill/>
+          <a:ln w="76200">
+            <a:solidFill>
+              <a:schemeClr val="accent1"/>
+            </a:solidFill>
+          </a:ln>
+        </p:spPr>
+        <p:style>
+          <a:lnRef idx="2">
+            <a:schemeClr val="accent1">
+              <a:shade val="50000"/>
+            </a:schemeClr>
+          </a:lnRef>
+          <a:fillRef idx="1">
+            <a:schemeClr val="accent1"/>
+          </a:fillRef>
+          <a:effectRef idx="0">
+            <a:schemeClr val="accent1"/>
+          </a:effectRef>
+          <a:fontRef idx="minor">
+            <a:schemeClr val="lt1"/>
+          </a:fontRef>
+        </p:style>
+        <p:txBody>
+          <a:bodyPr rtlCol="0" anchor="ctr"/>
+          <a:lstStyle/>
+          <a:p>
+            <a:pPr algn="ctr"/>
+            <a:endParaRPr lang="en-US"/>
+          </a:p>
+        </p:txBody>
+      </p:sp>
+      <p:grpSp>
+        <p:nvGrpSpPr>
+          <p:cNvPr id="55" name="Group 54">
+            <a:extLst>
+              <a:ext uri="{FF2B5EF4-FFF2-40B4-BE49-F238E27FC236}">
+                <a16:creationId xmlns:a16="http://schemas.microsoft.com/office/drawing/2014/main" id="{13F0038C-C730-4C8E-8293-49DF991A2B32}"/>
+              </a:ext>
+            </a:extLst>
+          </p:cNvPr>
+          <p:cNvGrpSpPr/>
+          <p:nvPr/>
+        </p:nvGrpSpPr>
+        <p:grpSpPr>
+          <a:xfrm>
+            <a:off x="2455187" y="2790767"/>
+            <a:ext cx="978763" cy="978763"/>
+            <a:chOff x="603679" y="2405847"/>
+            <a:chExt cx="978763" cy="978763"/>
+          </a:xfrm>
+        </p:grpSpPr>
+        <p:cxnSp>
+          <p:nvCxnSpPr>
+            <p:cNvPr id="56" name="Straight Connector 55">
+              <a:extLst>
+                <a:ext uri="{FF2B5EF4-FFF2-40B4-BE49-F238E27FC236}">
+                  <a16:creationId xmlns:a16="http://schemas.microsoft.com/office/drawing/2014/main" id="{CA7B1689-29FA-46FB-9972-0002A3554FBC}"/>
+                </a:ext>
+              </a:extLst>
+            </p:cNvPr>
+            <p:cNvCxnSpPr>
+              <a:cxnSpLocks/>
+            </p:cNvCxnSpPr>
+            <p:nvPr/>
+          </p:nvCxnSpPr>
+          <p:spPr>
+            <a:xfrm>
+              <a:off x="639192" y="2405847"/>
+              <a:ext cx="0" cy="978763"/>
+            </a:xfrm>
+            <a:prstGeom prst="line">
+              <a:avLst/>
+            </a:prstGeom>
+            <a:ln w="76200"/>
+          </p:spPr>
+          <p:style>
+            <a:lnRef idx="1">
+              <a:schemeClr val="dk1"/>
+            </a:lnRef>
+            <a:fillRef idx="0">
+              <a:schemeClr val="dk1"/>
+            </a:fillRef>
+            <a:effectRef idx="0">
+              <a:schemeClr val="dk1"/>
+            </a:effectRef>
+            <a:fontRef idx="minor">
+              <a:schemeClr val="tx1"/>
+            </a:fontRef>
+          </p:style>
+        </p:cxnSp>
+        <p:cxnSp>
+          <p:nvCxnSpPr>
+            <p:cNvPr id="57" name="Straight Connector 56">
+              <a:extLst>
+                <a:ext uri="{FF2B5EF4-FFF2-40B4-BE49-F238E27FC236}">
+                  <a16:creationId xmlns:a16="http://schemas.microsoft.com/office/drawing/2014/main" id="{5B95EF1F-92FA-456F-A324-D0B52436127C}"/>
+                </a:ext>
+              </a:extLst>
+            </p:cNvPr>
+            <p:cNvCxnSpPr>
+              <a:cxnSpLocks/>
+            </p:cNvCxnSpPr>
+            <p:nvPr/>
+          </p:nvCxnSpPr>
+          <p:spPr>
+            <a:xfrm rot="16200000">
+              <a:off x="1093061" y="2889235"/>
+              <a:ext cx="0" cy="978763"/>
+            </a:xfrm>
+            <a:prstGeom prst="line">
+              <a:avLst/>
+            </a:prstGeom>
+            <a:ln w="76200"/>
+          </p:spPr>
+          <p:style>
+            <a:lnRef idx="1">
+              <a:schemeClr val="dk1"/>
+            </a:lnRef>
+            <a:fillRef idx="0">
+              <a:schemeClr val="dk1"/>
+            </a:fillRef>
+            <a:effectRef idx="0">
+              <a:schemeClr val="dk1"/>
+            </a:effectRef>
+            <a:fontRef idx="minor">
+              <a:schemeClr val="tx1"/>
+            </a:fontRef>
+          </p:style>
+        </p:cxnSp>
+      </p:grpSp>
+      <p:sp>
+        <p:nvSpPr>
+          <p:cNvPr id="60" name="TextBox 59">
+            <a:extLst>
+              <a:ext uri="{FF2B5EF4-FFF2-40B4-BE49-F238E27FC236}">
+                <a16:creationId xmlns:a16="http://schemas.microsoft.com/office/drawing/2014/main" id="{7489D852-A152-421A-AFAC-8DAE06EDC31A}"/>
+              </a:ext>
+            </a:extLst>
+          </p:cNvPr>
+          <p:cNvSpPr txBox="1"/>
+          <p:nvPr/>
+        </p:nvSpPr>
+        <p:spPr>
+          <a:xfrm>
+            <a:off x="2145578" y="3923470"/>
+            <a:ext cx="1633494" cy="584775"/>
+          </a:xfrm>
+          <a:prstGeom prst="rect">
+            <a:avLst/>
+          </a:prstGeom>
+          <a:noFill/>
+        </p:spPr>
+        <p:txBody>
+          <a:bodyPr wrap="square" rtlCol="0">
+            <a:spAutoFit/>
+          </a:bodyPr>
+          <a:lstStyle/>
+          <a:p>
+            <a:pPr algn="ctr"/>
+            <a:r>
+              <a:rPr lang="en-US" sz="3200" dirty="0"/>
+              <a:t>SYN</a:t>
+            </a:r>
+          </a:p>
+        </p:txBody>
+      </p:sp>
+      <p:sp>
+        <p:nvSpPr>
+          <p:cNvPr id="61" name="Arrow: Right 60">
+            <a:extLst>
+              <a:ext uri="{FF2B5EF4-FFF2-40B4-BE49-F238E27FC236}">
+                <a16:creationId xmlns:a16="http://schemas.microsoft.com/office/drawing/2014/main" id="{42B74F08-EB62-4CEE-B4B6-C7B2EF2892FB}"/>
+              </a:ext>
+            </a:extLst>
+          </p:cNvPr>
+          <p:cNvSpPr/>
+          <p:nvPr/>
+        </p:nvSpPr>
+        <p:spPr>
+          <a:xfrm>
+            <a:off x="1636520" y="3130932"/>
+            <a:ext cx="630281" cy="394220"/>
+          </a:xfrm>
+          <a:prstGeom prst="rightArrow">
+            <a:avLst/>
+          </a:prstGeom>
+          <a:solidFill>
+            <a:schemeClr val="accent5">
+              <a:lumMod val="50000"/>
+            </a:schemeClr>
+          </a:solidFill>
+          <a:ln>
+            <a:noFill/>
+          </a:ln>
+        </p:spPr>
+        <p:style>
+          <a:lnRef idx="2">
+            <a:schemeClr val="accent1">
+              <a:shade val="50000"/>
+            </a:schemeClr>
+          </a:lnRef>
+          <a:fillRef idx="1">
+            <a:schemeClr val="accent1"/>
+          </a:fillRef>
+          <a:effectRef idx="0">
+            <a:schemeClr val="accent1"/>
+          </a:effectRef>
+          <a:fontRef idx="minor">
+            <a:schemeClr val="lt1"/>
+          </a:fontRef>
+        </p:style>
+        <p:txBody>
+          <a:bodyPr rtlCol="0" anchor="ctr"/>
+          <a:lstStyle/>
+          <a:p>
+            <a:pPr algn="ctr"/>
+            <a:endParaRPr lang="en-US"/>
+          </a:p>
+        </p:txBody>
+      </p:sp>
+      <p:sp>
+        <p:nvSpPr>
+          <p:cNvPr id="71" name="TextBox 70">
+            <a:extLst>
+              <a:ext uri="{FF2B5EF4-FFF2-40B4-BE49-F238E27FC236}">
+                <a16:creationId xmlns:a16="http://schemas.microsoft.com/office/drawing/2014/main" id="{DCD0B81C-D3DF-41B8-ABE2-ADE95D7F9AD3}"/>
+              </a:ext>
+            </a:extLst>
+          </p:cNvPr>
+          <p:cNvSpPr txBox="1"/>
+          <p:nvPr/>
+        </p:nvSpPr>
+        <p:spPr>
+          <a:xfrm>
+            <a:off x="1054232" y="2644761"/>
+            <a:ext cx="1633494" cy="584775"/>
+          </a:xfrm>
+          <a:prstGeom prst="rect">
+            <a:avLst/>
+          </a:prstGeom>
+          <a:noFill/>
+        </p:spPr>
+        <p:txBody>
+          <a:bodyPr wrap="square" rtlCol="0">
+            <a:spAutoFit/>
+          </a:bodyPr>
+          <a:lstStyle/>
+          <a:p>
+            <a:pPr algn="ctr"/>
+            <a:r>
+              <a:rPr lang="en-US" sz="3200" b="1" dirty="0"/>
+              <a:t>W</a:t>
+            </a:r>
+          </a:p>
+        </p:txBody>
+      </p:sp>
+      <p:grpSp>
+        <p:nvGrpSpPr>
+          <p:cNvPr id="3" name="Group 2">
+            <a:extLst>
+              <a:ext uri="{FF2B5EF4-FFF2-40B4-BE49-F238E27FC236}">
+                <a16:creationId xmlns:a16="http://schemas.microsoft.com/office/drawing/2014/main" id="{39F2CBD1-CA39-4867-85DB-95D4FE850727}"/>
+              </a:ext>
+            </a:extLst>
+          </p:cNvPr>
+          <p:cNvGrpSpPr/>
+          <p:nvPr/>
+        </p:nvGrpSpPr>
+        <p:grpSpPr>
+          <a:xfrm>
+            <a:off x="4279822" y="2794561"/>
+            <a:ext cx="978763" cy="978763"/>
+            <a:chOff x="4472130" y="4722807"/>
+            <a:chExt cx="978763" cy="978763"/>
+          </a:xfrm>
+        </p:grpSpPr>
+        <p:sp>
+          <p:nvSpPr>
+            <p:cNvPr id="72" name="Freeform: Shape 71">
+              <a:extLst>
+                <a:ext uri="{FF2B5EF4-FFF2-40B4-BE49-F238E27FC236}">
+                  <a16:creationId xmlns:a16="http://schemas.microsoft.com/office/drawing/2014/main" id="{B38CCE1A-BE94-46CB-9539-E9E878FFEC95}"/>
+                </a:ext>
+              </a:extLst>
+            </p:cNvPr>
+            <p:cNvSpPr/>
+            <p:nvPr/>
+          </p:nvSpPr>
+          <p:spPr>
+            <a:xfrm>
+              <a:off x="4507643" y="4878405"/>
+              <a:ext cx="943249" cy="546780"/>
+            </a:xfrm>
+            <a:custGeom>
+              <a:avLst/>
+              <a:gdLst>
+                <a:gd name="connsiteX0" fmla="*/ 0 w 974034"/>
+                <a:gd name="connsiteY0" fmla="*/ 0 h 546780"/>
+                <a:gd name="connsiteX1" fmla="*/ 258417 w 974034"/>
+                <a:gd name="connsiteY1" fmla="*/ 397565 h 546780"/>
+                <a:gd name="connsiteX2" fmla="*/ 516834 w 974034"/>
+                <a:gd name="connsiteY2" fmla="*/ 546652 h 546780"/>
+                <a:gd name="connsiteX3" fmla="*/ 765313 w 974034"/>
+                <a:gd name="connsiteY3" fmla="*/ 377687 h 546780"/>
+                <a:gd name="connsiteX4" fmla="*/ 974034 w 974034"/>
+                <a:gd name="connsiteY4" fmla="*/ 308113 h 546780"/>
+              </a:gdLst>
+              <a:ahLst/>
+              <a:cxnLst>
+                <a:cxn ang="0">
+                  <a:pos x="connsiteX0" y="connsiteY0"/>
+                </a:cxn>
+                <a:cxn ang="0">
+                  <a:pos x="connsiteX1" y="connsiteY1"/>
+                </a:cxn>
+                <a:cxn ang="0">
+                  <a:pos x="connsiteX2" y="connsiteY2"/>
+                </a:cxn>
+                <a:cxn ang="0">
+                  <a:pos x="connsiteX3" y="connsiteY3"/>
+                </a:cxn>
+                <a:cxn ang="0">
+                  <a:pos x="connsiteX4" y="connsiteY4"/>
+                </a:cxn>
+              </a:cxnLst>
+              <a:rect l="l" t="t" r="r" b="b"/>
+              <a:pathLst>
+                <a:path w="974034" h="546780">
+                  <a:moveTo>
+                    <a:pt x="0" y="0"/>
+                  </a:moveTo>
+                  <a:cubicBezTo>
+                    <a:pt x="86139" y="153228"/>
+                    <a:pt x="172278" y="306456"/>
+                    <a:pt x="258417" y="397565"/>
+                  </a:cubicBezTo>
+                  <a:cubicBezTo>
+                    <a:pt x="344556" y="488674"/>
+                    <a:pt x="432351" y="549965"/>
+                    <a:pt x="516834" y="546652"/>
+                  </a:cubicBezTo>
+                  <a:cubicBezTo>
+                    <a:pt x="601317" y="543339"/>
+                    <a:pt x="689113" y="417443"/>
+                    <a:pt x="765313" y="377687"/>
+                  </a:cubicBezTo>
+                  <a:cubicBezTo>
+                    <a:pt x="841513" y="337931"/>
+                    <a:pt x="907773" y="323022"/>
+                    <a:pt x="974034" y="308113"/>
+                  </a:cubicBezTo>
+                </a:path>
+              </a:pathLst>
+            </a:custGeom>
+            <a:noFill/>
+            <a:ln w="76200">
+              <a:solidFill>
+                <a:schemeClr val="accent2"/>
+              </a:solidFill>
+            </a:ln>
+          </p:spPr>
+          <p:style>
+            <a:lnRef idx="2">
+              <a:schemeClr val="accent1">
+                <a:shade val="50000"/>
+              </a:schemeClr>
+            </a:lnRef>
+            <a:fillRef idx="1">
+              <a:schemeClr val="accent1"/>
+            </a:fillRef>
+            <a:effectRef idx="0">
+              <a:schemeClr val="accent1"/>
+            </a:effectRef>
+            <a:fontRef idx="minor">
+              <a:schemeClr val="lt1"/>
+            </a:fontRef>
+          </p:style>
+          <p:txBody>
+            <a:bodyPr rtlCol="0" anchor="ctr"/>
+            <a:lstStyle/>
+            <a:p>
+              <a:pPr algn="ctr"/>
+              <a:endParaRPr lang="en-US"/>
+            </a:p>
+          </p:txBody>
+        </p:sp>
+        <p:grpSp>
+          <p:nvGrpSpPr>
+            <p:cNvPr id="75" name="Group 74">
+              <a:extLst>
+                <a:ext uri="{FF2B5EF4-FFF2-40B4-BE49-F238E27FC236}">
+                  <a16:creationId xmlns:a16="http://schemas.microsoft.com/office/drawing/2014/main" id="{3EDC53A5-A38D-499F-88D1-353EE8C7A39A}"/>
+                </a:ext>
+              </a:extLst>
+            </p:cNvPr>
+            <p:cNvGrpSpPr/>
+            <p:nvPr/>
+          </p:nvGrpSpPr>
+          <p:grpSpPr>
+            <a:xfrm>
+              <a:off x="4472130" y="4722807"/>
+              <a:ext cx="978763" cy="978763"/>
+              <a:chOff x="603679" y="2405847"/>
+              <a:chExt cx="978763" cy="978763"/>
+            </a:xfrm>
+          </p:grpSpPr>
+          <p:cxnSp>
+            <p:nvCxnSpPr>
+              <p:cNvPr id="80" name="Straight Connector 79">
+                <a:extLst>
+                  <a:ext uri="{FF2B5EF4-FFF2-40B4-BE49-F238E27FC236}">
+                    <a16:creationId xmlns:a16="http://schemas.microsoft.com/office/drawing/2014/main" id="{02935CAD-9A4B-479F-BCC0-EEC96CD1CF72}"/>
+                  </a:ext>
+                </a:extLst>
+              </p:cNvPr>
+              <p:cNvCxnSpPr>
+                <a:cxnSpLocks/>
+              </p:cNvCxnSpPr>
+              <p:nvPr/>
+            </p:nvCxnSpPr>
+            <p:spPr>
+              <a:xfrm>
+                <a:off x="639192" y="2405847"/>
+                <a:ext cx="0" cy="978763"/>
+              </a:xfrm>
+              <a:prstGeom prst="line">
+                <a:avLst/>
+              </a:prstGeom>
+              <a:ln w="76200"/>
+            </p:spPr>
+            <p:style>
+              <a:lnRef idx="1">
+                <a:schemeClr val="dk1"/>
+              </a:lnRef>
+              <a:fillRef idx="0">
+                <a:schemeClr val="dk1"/>
+              </a:fillRef>
+              <a:effectRef idx="0">
+                <a:schemeClr val="dk1"/>
+              </a:effectRef>
+              <a:fontRef idx="minor">
+                <a:schemeClr val="tx1"/>
+              </a:fontRef>
+            </p:style>
+          </p:cxnSp>
+          <p:cxnSp>
+            <p:nvCxnSpPr>
+              <p:cNvPr id="81" name="Straight Connector 80">
+                <a:extLst>
+                  <a:ext uri="{FF2B5EF4-FFF2-40B4-BE49-F238E27FC236}">
+                    <a16:creationId xmlns:a16="http://schemas.microsoft.com/office/drawing/2014/main" id="{A13D6B43-877B-49E4-A6E3-31102784FB06}"/>
+                  </a:ext>
+                </a:extLst>
+              </p:cNvPr>
+              <p:cNvCxnSpPr>
+                <a:cxnSpLocks/>
+              </p:cNvCxnSpPr>
+              <p:nvPr/>
+            </p:nvCxnSpPr>
+            <p:spPr>
+              <a:xfrm rot="16200000">
+                <a:off x="1093061" y="2889235"/>
+                <a:ext cx="0" cy="978763"/>
+              </a:xfrm>
+              <a:prstGeom prst="line">
+                <a:avLst/>
+              </a:prstGeom>
+              <a:ln w="76200"/>
+            </p:spPr>
+            <p:style>
+              <a:lnRef idx="1">
+                <a:schemeClr val="dk1"/>
+              </a:lnRef>
+              <a:fillRef idx="0">
+                <a:schemeClr val="dk1"/>
+              </a:fillRef>
+              <a:effectRef idx="0">
+                <a:schemeClr val="dk1"/>
+              </a:effectRef>
+              <a:fontRef idx="minor">
+                <a:schemeClr val="tx1"/>
+              </a:fontRef>
+            </p:style>
+          </p:cxnSp>
+        </p:grpSp>
+      </p:grpSp>
+      <p:sp>
+        <p:nvSpPr>
+          <p:cNvPr id="82" name="TextBox 81">
+            <a:extLst>
+              <a:ext uri="{FF2B5EF4-FFF2-40B4-BE49-F238E27FC236}">
+                <a16:creationId xmlns:a16="http://schemas.microsoft.com/office/drawing/2014/main" id="{FFE2B0E1-2374-404E-B607-4CB3663B59D7}"/>
+              </a:ext>
+            </a:extLst>
+          </p:cNvPr>
+          <p:cNvSpPr txBox="1"/>
+          <p:nvPr/>
+        </p:nvSpPr>
+        <p:spPr>
+          <a:xfrm>
+            <a:off x="3769627" y="3928922"/>
+            <a:ext cx="2309302" cy="584775"/>
+          </a:xfrm>
+          <a:prstGeom prst="rect">
+            <a:avLst/>
+          </a:prstGeom>
+          <a:noFill/>
+        </p:spPr>
+        <p:txBody>
+          <a:bodyPr wrap="square" rtlCol="0">
+            <a:spAutoFit/>
+          </a:bodyPr>
+          <a:lstStyle/>
+          <a:p>
+            <a:pPr algn="ctr"/>
+            <a:r>
+              <a:rPr lang="en-US" sz="3200" dirty="0"/>
+              <a:t>Voltage</a:t>
+            </a:r>
+          </a:p>
+        </p:txBody>
+      </p:sp>
+      <p:grpSp>
+        <p:nvGrpSpPr>
+          <p:cNvPr id="2" name="Group 1">
+            <a:extLst>
+              <a:ext uri="{FF2B5EF4-FFF2-40B4-BE49-F238E27FC236}">
+                <a16:creationId xmlns:a16="http://schemas.microsoft.com/office/drawing/2014/main" id="{130A5AA0-97CA-4819-BEBD-4E3C16B60BA5}"/>
+              </a:ext>
+            </a:extLst>
+          </p:cNvPr>
+          <p:cNvGrpSpPr/>
+          <p:nvPr/>
+        </p:nvGrpSpPr>
+        <p:grpSpPr>
+          <a:xfrm>
+            <a:off x="6108561" y="2794614"/>
+            <a:ext cx="978764" cy="978763"/>
+            <a:chOff x="8228534" y="25898"/>
+            <a:chExt cx="978764" cy="978763"/>
+          </a:xfrm>
+        </p:grpSpPr>
+        <p:sp>
+          <p:nvSpPr>
+            <p:cNvPr id="73" name="Freeform: Shape 72">
+              <a:extLst>
+                <a:ext uri="{FF2B5EF4-FFF2-40B4-BE49-F238E27FC236}">
+                  <a16:creationId xmlns:a16="http://schemas.microsoft.com/office/drawing/2014/main" id="{4FB60BAB-6F00-4F26-9DE1-36BA50C79C80}"/>
+                </a:ext>
+              </a:extLst>
+            </p:cNvPr>
+            <p:cNvSpPr/>
+            <p:nvPr/>
+          </p:nvSpPr>
+          <p:spPr>
+            <a:xfrm>
+              <a:off x="8264048" y="240860"/>
+              <a:ext cx="943250" cy="563795"/>
+            </a:xfrm>
+            <a:custGeom>
+              <a:avLst/>
+              <a:gdLst>
+                <a:gd name="connsiteX0" fmla="*/ 0 w 683581"/>
+                <a:gd name="connsiteY0" fmla="*/ 154442 h 563795"/>
+                <a:gd name="connsiteX1" fmla="*/ 115410 w 683581"/>
+                <a:gd name="connsiteY1" fmla="*/ 3522 h 563795"/>
+                <a:gd name="connsiteX2" fmla="*/ 221942 w 683581"/>
+                <a:gd name="connsiteY2" fmla="*/ 287607 h 563795"/>
+                <a:gd name="connsiteX3" fmla="*/ 284085 w 683581"/>
+                <a:gd name="connsiteY3" fmla="*/ 562815 h 563795"/>
+                <a:gd name="connsiteX4" fmla="*/ 435006 w 683581"/>
+                <a:gd name="connsiteY4" fmla="*/ 376384 h 563795"/>
+                <a:gd name="connsiteX5" fmla="*/ 603682 w 683581"/>
+                <a:gd name="connsiteY5" fmla="*/ 296485 h 563795"/>
+                <a:gd name="connsiteX6" fmla="*/ 683581 w 683581"/>
+                <a:gd name="connsiteY6" fmla="*/ 287607 h 563795"/>
+              </a:gdLst>
+              <a:ahLst/>
+              <a:cxnLst>
+                <a:cxn ang="0">
+                  <a:pos x="connsiteX0" y="connsiteY0"/>
+                </a:cxn>
+                <a:cxn ang="0">
+                  <a:pos x="connsiteX1" y="connsiteY1"/>
+                </a:cxn>
+                <a:cxn ang="0">
+                  <a:pos x="connsiteX2" y="connsiteY2"/>
+                </a:cxn>
+                <a:cxn ang="0">
+                  <a:pos x="connsiteX3" y="connsiteY3"/>
+                </a:cxn>
+                <a:cxn ang="0">
+                  <a:pos x="connsiteX4" y="connsiteY4"/>
+                </a:cxn>
+                <a:cxn ang="0">
+                  <a:pos x="connsiteX5" y="connsiteY5"/>
+                </a:cxn>
+                <a:cxn ang="0">
+                  <a:pos x="connsiteX6" y="connsiteY6"/>
+                </a:cxn>
+              </a:cxnLst>
+              <a:rect l="l" t="t" r="r" b="b"/>
+              <a:pathLst>
+                <a:path w="683581" h="563795">
+                  <a:moveTo>
+                    <a:pt x="0" y="154442"/>
+                  </a:moveTo>
+                  <a:cubicBezTo>
+                    <a:pt x="39210" y="67885"/>
+                    <a:pt x="78420" y="-18672"/>
+                    <a:pt x="115410" y="3522"/>
+                  </a:cubicBezTo>
+                  <a:cubicBezTo>
+                    <a:pt x="152400" y="25716"/>
+                    <a:pt x="193830" y="194392"/>
+                    <a:pt x="221942" y="287607"/>
+                  </a:cubicBezTo>
+                  <a:cubicBezTo>
+                    <a:pt x="250054" y="380822"/>
+                    <a:pt x="248574" y="548019"/>
+                    <a:pt x="284085" y="562815"/>
+                  </a:cubicBezTo>
+                  <a:cubicBezTo>
+                    <a:pt x="319596" y="577611"/>
+                    <a:pt x="381740" y="420772"/>
+                    <a:pt x="435006" y="376384"/>
+                  </a:cubicBezTo>
+                  <a:cubicBezTo>
+                    <a:pt x="488272" y="331996"/>
+                    <a:pt x="562253" y="311281"/>
+                    <a:pt x="603682" y="296485"/>
+                  </a:cubicBezTo>
+                  <a:cubicBezTo>
+                    <a:pt x="645111" y="281689"/>
+                    <a:pt x="664346" y="284648"/>
+                    <a:pt x="683581" y="287607"/>
+                  </a:cubicBezTo>
+                </a:path>
+              </a:pathLst>
+            </a:custGeom>
+            <a:noFill/>
+            <a:ln w="76200">
+              <a:solidFill>
+                <a:schemeClr val="accent6"/>
+              </a:solidFill>
+            </a:ln>
+          </p:spPr>
+          <p:style>
+            <a:lnRef idx="2">
+              <a:schemeClr val="accent1">
+                <a:shade val="50000"/>
+              </a:schemeClr>
+            </a:lnRef>
+            <a:fillRef idx="1">
+              <a:schemeClr val="accent1"/>
+            </a:fillRef>
+            <a:effectRef idx="0">
+              <a:schemeClr val="accent1"/>
+            </a:effectRef>
+            <a:fontRef idx="minor">
+              <a:schemeClr val="lt1"/>
+            </a:fontRef>
+          </p:style>
+          <p:txBody>
+            <a:bodyPr rtlCol="0" anchor="ctr"/>
+            <a:lstStyle/>
+            <a:p>
+              <a:pPr algn="ctr"/>
+              <a:endParaRPr lang="en-US"/>
+            </a:p>
+          </p:txBody>
+        </p:sp>
+        <p:grpSp>
+          <p:nvGrpSpPr>
+            <p:cNvPr id="90" name="Group 89">
+              <a:extLst>
+                <a:ext uri="{FF2B5EF4-FFF2-40B4-BE49-F238E27FC236}">
+                  <a16:creationId xmlns:a16="http://schemas.microsoft.com/office/drawing/2014/main" id="{976AA23D-3F01-46D0-8204-DB2F67EBAD81}"/>
+                </a:ext>
+              </a:extLst>
+            </p:cNvPr>
+            <p:cNvGrpSpPr/>
+            <p:nvPr/>
+          </p:nvGrpSpPr>
+          <p:grpSpPr>
+            <a:xfrm>
+              <a:off x="8228534" y="25898"/>
+              <a:ext cx="978763" cy="978763"/>
+              <a:chOff x="603679" y="2405847"/>
+              <a:chExt cx="978763" cy="978763"/>
+            </a:xfrm>
+          </p:grpSpPr>
+          <p:cxnSp>
+            <p:nvCxnSpPr>
+              <p:cNvPr id="91" name="Straight Connector 90">
+                <a:extLst>
+                  <a:ext uri="{FF2B5EF4-FFF2-40B4-BE49-F238E27FC236}">
+                    <a16:creationId xmlns:a16="http://schemas.microsoft.com/office/drawing/2014/main" id="{5F968C33-88CD-4C8D-AA41-53BFEF5A1250}"/>
+                  </a:ext>
+                </a:extLst>
+              </p:cNvPr>
+              <p:cNvCxnSpPr>
+                <a:cxnSpLocks/>
+              </p:cNvCxnSpPr>
+              <p:nvPr/>
+            </p:nvCxnSpPr>
+            <p:spPr>
+              <a:xfrm>
+                <a:off x="639192" y="2405847"/>
+                <a:ext cx="0" cy="978763"/>
+              </a:xfrm>
+              <a:prstGeom prst="line">
+                <a:avLst/>
+              </a:prstGeom>
+              <a:ln w="76200"/>
+            </p:spPr>
+            <p:style>
+              <a:lnRef idx="1">
+                <a:schemeClr val="dk1"/>
+              </a:lnRef>
+              <a:fillRef idx="0">
+                <a:schemeClr val="dk1"/>
+              </a:fillRef>
+              <a:effectRef idx="0">
+                <a:schemeClr val="dk1"/>
+              </a:effectRef>
+              <a:fontRef idx="minor">
+                <a:schemeClr val="tx1"/>
+              </a:fontRef>
+            </p:style>
+          </p:cxnSp>
+          <p:cxnSp>
+            <p:nvCxnSpPr>
+              <p:cNvPr id="92" name="Straight Connector 91">
+                <a:extLst>
+                  <a:ext uri="{FF2B5EF4-FFF2-40B4-BE49-F238E27FC236}">
+                    <a16:creationId xmlns:a16="http://schemas.microsoft.com/office/drawing/2014/main" id="{49578C44-769C-4B54-B662-EAB874A32BA8}"/>
+                  </a:ext>
+                </a:extLst>
+              </p:cNvPr>
+              <p:cNvCxnSpPr>
+                <a:cxnSpLocks/>
+              </p:cNvCxnSpPr>
+              <p:nvPr/>
+            </p:nvCxnSpPr>
+            <p:spPr>
+              <a:xfrm rot="16200000">
+                <a:off x="1093061" y="2889235"/>
+                <a:ext cx="0" cy="978763"/>
+              </a:xfrm>
+              <a:prstGeom prst="line">
+                <a:avLst/>
+              </a:prstGeom>
+              <a:ln w="76200"/>
+            </p:spPr>
+            <p:style>
+              <a:lnRef idx="1">
+                <a:schemeClr val="dk1"/>
+              </a:lnRef>
+              <a:fillRef idx="0">
+                <a:schemeClr val="dk1"/>
+              </a:fillRef>
+              <a:effectRef idx="0">
+                <a:schemeClr val="dk1"/>
+              </a:effectRef>
+              <a:fontRef idx="minor">
+                <a:schemeClr val="tx1"/>
+              </a:fontRef>
+            </p:style>
+          </p:cxnSp>
+        </p:grpSp>
+      </p:grpSp>
+      <p:sp>
+        <p:nvSpPr>
+          <p:cNvPr id="93" name="TextBox 92">
+            <a:extLst>
+              <a:ext uri="{FF2B5EF4-FFF2-40B4-BE49-F238E27FC236}">
+                <a16:creationId xmlns:a16="http://schemas.microsoft.com/office/drawing/2014/main" id="{F39C46CB-7CA1-4B9E-A66C-361EB8D85A91}"/>
+              </a:ext>
+            </a:extLst>
+          </p:cNvPr>
+          <p:cNvSpPr txBox="1"/>
+          <p:nvPr/>
+        </p:nvSpPr>
+        <p:spPr>
+          <a:xfrm>
+            <a:off x="5781196" y="3923470"/>
+            <a:ext cx="1633494" cy="584775"/>
+          </a:xfrm>
+          <a:prstGeom prst="rect">
+            <a:avLst/>
+          </a:prstGeom>
+          <a:noFill/>
+        </p:spPr>
+        <p:txBody>
+          <a:bodyPr wrap="square" rtlCol="0">
+            <a:spAutoFit/>
+          </a:bodyPr>
+          <a:lstStyle/>
+          <a:p>
+            <a:pPr algn="ctr"/>
+            <a:r>
+              <a:rPr lang="en-US" sz="3200" dirty="0"/>
+              <a:t>ASC</a:t>
+            </a:r>
+          </a:p>
+        </p:txBody>
+      </p:sp>
+      <p:sp>
+        <p:nvSpPr>
+          <p:cNvPr id="97" name="TextBox 96">
+            <a:extLst>
+              <a:ext uri="{FF2B5EF4-FFF2-40B4-BE49-F238E27FC236}">
+                <a16:creationId xmlns:a16="http://schemas.microsoft.com/office/drawing/2014/main" id="{57419018-C623-4231-BF06-97A99F95CD48}"/>
+              </a:ext>
+            </a:extLst>
+          </p:cNvPr>
+          <p:cNvSpPr txBox="1"/>
+          <p:nvPr/>
+        </p:nvSpPr>
+        <p:spPr>
+          <a:xfrm>
+            <a:off x="7609934" y="3947179"/>
+            <a:ext cx="1633494" cy="584775"/>
+          </a:xfrm>
+          <a:prstGeom prst="rect">
+            <a:avLst/>
+          </a:prstGeom>
+          <a:noFill/>
+        </p:spPr>
+        <p:txBody>
+          <a:bodyPr wrap="square" rtlCol="0">
+            <a:spAutoFit/>
+          </a:bodyPr>
+          <a:lstStyle/>
+          <a:p>
+            <a:pPr algn="ctr"/>
+            <a:r>
+              <a:rPr lang="en-US" sz="3200" dirty="0"/>
+              <a:t>firing</a:t>
+            </a:r>
+          </a:p>
+        </p:txBody>
+      </p:sp>
+      <p:grpSp>
+        <p:nvGrpSpPr>
+          <p:cNvPr id="4" name="Group 3">
+            <a:extLst>
+              <a:ext uri="{FF2B5EF4-FFF2-40B4-BE49-F238E27FC236}">
+                <a16:creationId xmlns:a16="http://schemas.microsoft.com/office/drawing/2014/main" id="{1075048A-6FA1-4704-AA3C-7B47AD86A4D5}"/>
+              </a:ext>
+            </a:extLst>
+          </p:cNvPr>
+          <p:cNvGrpSpPr/>
+          <p:nvPr/>
+        </p:nvGrpSpPr>
+        <p:grpSpPr>
+          <a:xfrm>
+            <a:off x="7937299" y="2786287"/>
+            <a:ext cx="978763" cy="978763"/>
+            <a:chOff x="8485393" y="2762578"/>
+            <a:chExt cx="978763" cy="978763"/>
+          </a:xfrm>
+        </p:grpSpPr>
+        <p:grpSp>
+          <p:nvGrpSpPr>
+            <p:cNvPr id="94" name="Group 93">
+              <a:extLst>
+                <a:ext uri="{FF2B5EF4-FFF2-40B4-BE49-F238E27FC236}">
+                  <a16:creationId xmlns:a16="http://schemas.microsoft.com/office/drawing/2014/main" id="{C233C0F2-607F-4CA0-81C3-464EDF13A22C}"/>
+                </a:ext>
+              </a:extLst>
+            </p:cNvPr>
+            <p:cNvGrpSpPr/>
+            <p:nvPr/>
+          </p:nvGrpSpPr>
+          <p:grpSpPr>
+            <a:xfrm>
+              <a:off x="8485393" y="2762578"/>
+              <a:ext cx="978763" cy="978763"/>
+              <a:chOff x="603679" y="2405847"/>
+              <a:chExt cx="978763" cy="978763"/>
+            </a:xfrm>
+          </p:grpSpPr>
+          <p:cxnSp>
+            <p:nvCxnSpPr>
+              <p:cNvPr id="95" name="Straight Connector 94">
+                <a:extLst>
+                  <a:ext uri="{FF2B5EF4-FFF2-40B4-BE49-F238E27FC236}">
+                    <a16:creationId xmlns:a16="http://schemas.microsoft.com/office/drawing/2014/main" id="{710660B0-4EC7-4957-8B64-F2E84EB8623E}"/>
+                  </a:ext>
+                </a:extLst>
+              </p:cNvPr>
+              <p:cNvCxnSpPr>
+                <a:cxnSpLocks/>
+              </p:cNvCxnSpPr>
+              <p:nvPr/>
+            </p:nvCxnSpPr>
+            <p:spPr>
+              <a:xfrm>
+                <a:off x="639192" y="2405847"/>
+                <a:ext cx="0" cy="978763"/>
+              </a:xfrm>
+              <a:prstGeom prst="line">
+                <a:avLst/>
+              </a:prstGeom>
+              <a:ln w="76200"/>
+            </p:spPr>
+            <p:style>
+              <a:lnRef idx="1">
+                <a:schemeClr val="dk1"/>
+              </a:lnRef>
+              <a:fillRef idx="0">
+                <a:schemeClr val="dk1"/>
+              </a:fillRef>
+              <a:effectRef idx="0">
+                <a:schemeClr val="dk1"/>
+              </a:effectRef>
+              <a:fontRef idx="minor">
+                <a:schemeClr val="tx1"/>
+              </a:fontRef>
+            </p:style>
+          </p:cxnSp>
+          <p:cxnSp>
+            <p:nvCxnSpPr>
+              <p:cNvPr id="96" name="Straight Connector 95">
+                <a:extLst>
+                  <a:ext uri="{FF2B5EF4-FFF2-40B4-BE49-F238E27FC236}">
+                    <a16:creationId xmlns:a16="http://schemas.microsoft.com/office/drawing/2014/main" id="{3DC77E30-10EF-4F74-B60A-88199F2A0270}"/>
+                  </a:ext>
+                </a:extLst>
+              </p:cNvPr>
+              <p:cNvCxnSpPr>
+                <a:cxnSpLocks/>
+              </p:cNvCxnSpPr>
+              <p:nvPr/>
+            </p:nvCxnSpPr>
+            <p:spPr>
+              <a:xfrm rot="16200000">
+                <a:off x="1093061" y="2889235"/>
+                <a:ext cx="0" cy="978763"/>
+              </a:xfrm>
+              <a:prstGeom prst="line">
+                <a:avLst/>
+              </a:prstGeom>
+              <a:ln w="76200"/>
+            </p:spPr>
+            <p:style>
+              <a:lnRef idx="1">
+                <a:schemeClr val="dk1"/>
+              </a:lnRef>
+              <a:fillRef idx="0">
+                <a:schemeClr val="dk1"/>
+              </a:fillRef>
+              <a:effectRef idx="0">
+                <a:schemeClr val="dk1"/>
+              </a:effectRef>
+              <a:fontRef idx="minor">
+                <a:schemeClr val="tx1"/>
+              </a:fontRef>
+            </p:style>
+          </p:cxnSp>
+        </p:grpSp>
+        <p:sp>
+          <p:nvSpPr>
+            <p:cNvPr id="98" name="Freeform: Shape 97">
+              <a:extLst>
+                <a:ext uri="{FF2B5EF4-FFF2-40B4-BE49-F238E27FC236}">
+                  <a16:creationId xmlns:a16="http://schemas.microsoft.com/office/drawing/2014/main" id="{C95EC929-A467-4007-ACBF-59ECDBA5351D}"/>
+                </a:ext>
+              </a:extLst>
+            </p:cNvPr>
+            <p:cNvSpPr/>
+            <p:nvPr/>
+          </p:nvSpPr>
+          <p:spPr>
+            <a:xfrm>
+              <a:off x="8556420" y="2830943"/>
+              <a:ext cx="907734" cy="662230"/>
+            </a:xfrm>
+            <a:custGeom>
+              <a:avLst/>
+              <a:gdLst>
+                <a:gd name="connsiteX0" fmla="*/ 0 w 798991"/>
+                <a:gd name="connsiteY0" fmla="*/ 635808 h 662230"/>
+                <a:gd name="connsiteX1" fmla="*/ 159798 w 798991"/>
+                <a:gd name="connsiteY1" fmla="*/ 502643 h 662230"/>
+                <a:gd name="connsiteX2" fmla="*/ 275208 w 798991"/>
+                <a:gd name="connsiteY2" fmla="*/ 58759 h 662230"/>
+                <a:gd name="connsiteX3" fmla="*/ 381740 w 798991"/>
+                <a:gd name="connsiteY3" fmla="*/ 644685 h 662230"/>
+                <a:gd name="connsiteX4" fmla="*/ 594804 w 798991"/>
+                <a:gd name="connsiteY4" fmla="*/ 467132 h 662230"/>
+                <a:gd name="connsiteX5" fmla="*/ 674703 w 798991"/>
+                <a:gd name="connsiteY5" fmla="*/ 41004 h 662230"/>
+                <a:gd name="connsiteX6" fmla="*/ 798991 w 798991"/>
+                <a:gd name="connsiteY6" fmla="*/ 41004 h 662230"/>
+              </a:gdLst>
+              <a:ahLst/>
+              <a:cxnLst>
+                <a:cxn ang="0">
+                  <a:pos x="connsiteX0" y="connsiteY0"/>
+                </a:cxn>
+                <a:cxn ang="0">
+                  <a:pos x="connsiteX1" y="connsiteY1"/>
+                </a:cxn>
+                <a:cxn ang="0">
+                  <a:pos x="connsiteX2" y="connsiteY2"/>
+                </a:cxn>
+                <a:cxn ang="0">
+                  <a:pos x="connsiteX3" y="connsiteY3"/>
+                </a:cxn>
+                <a:cxn ang="0">
+                  <a:pos x="connsiteX4" y="connsiteY4"/>
+                </a:cxn>
+                <a:cxn ang="0">
+                  <a:pos x="connsiteX5" y="connsiteY5"/>
+                </a:cxn>
+                <a:cxn ang="0">
+                  <a:pos x="connsiteX6" y="connsiteY6"/>
+                </a:cxn>
+              </a:cxnLst>
+              <a:rect l="l" t="t" r="r" b="b"/>
+              <a:pathLst>
+                <a:path w="798991" h="662230">
+                  <a:moveTo>
+                    <a:pt x="0" y="635808"/>
+                  </a:moveTo>
+                  <a:cubicBezTo>
+                    <a:pt x="56965" y="617313"/>
+                    <a:pt x="113930" y="598818"/>
+                    <a:pt x="159798" y="502643"/>
+                  </a:cubicBezTo>
+                  <a:cubicBezTo>
+                    <a:pt x="205666" y="406468"/>
+                    <a:pt x="238218" y="35085"/>
+                    <a:pt x="275208" y="58759"/>
+                  </a:cubicBezTo>
+                  <a:cubicBezTo>
+                    <a:pt x="312198" y="82433"/>
+                    <a:pt x="328474" y="576623"/>
+                    <a:pt x="381740" y="644685"/>
+                  </a:cubicBezTo>
+                  <a:cubicBezTo>
+                    <a:pt x="435006" y="712747"/>
+                    <a:pt x="545977" y="567746"/>
+                    <a:pt x="594804" y="467132"/>
+                  </a:cubicBezTo>
+                  <a:cubicBezTo>
+                    <a:pt x="643631" y="366518"/>
+                    <a:pt x="640672" y="112025"/>
+                    <a:pt x="674703" y="41004"/>
+                  </a:cubicBezTo>
+                  <a:cubicBezTo>
+                    <a:pt x="708734" y="-30017"/>
+                    <a:pt x="753862" y="5493"/>
+                    <a:pt x="798991" y="41004"/>
+                  </a:cubicBezTo>
+                </a:path>
+              </a:pathLst>
+            </a:custGeom>
+            <a:noFill/>
+            <a:ln w="76200">
+              <a:solidFill>
+                <a:srgbClr val="7030A0"/>
+              </a:solidFill>
+            </a:ln>
+          </p:spPr>
+          <p:style>
+            <a:lnRef idx="2">
+              <a:schemeClr val="accent1">
+                <a:shade val="50000"/>
+              </a:schemeClr>
+            </a:lnRef>
+            <a:fillRef idx="1">
+              <a:schemeClr val="accent1"/>
+            </a:fillRef>
+            <a:effectRef idx="0">
+              <a:schemeClr val="accent1"/>
+            </a:effectRef>
+            <a:fontRef idx="minor">
+              <a:schemeClr val="lt1"/>
+            </a:fontRef>
+          </p:style>
+          <p:txBody>
+            <a:bodyPr rtlCol="0" anchor="ctr"/>
+            <a:lstStyle/>
+            <a:p>
+              <a:pPr algn="ctr"/>
+              <a:endParaRPr lang="en-US"/>
+            </a:p>
+          </p:txBody>
+        </p:sp>
+      </p:grpSp>
+      <p:sp>
+        <p:nvSpPr>
+          <p:cNvPr id="101" name="Arrow: Right 100">
+            <a:extLst>
+              <a:ext uri="{FF2B5EF4-FFF2-40B4-BE49-F238E27FC236}">
+                <a16:creationId xmlns:a16="http://schemas.microsoft.com/office/drawing/2014/main" id="{361334FA-D8BB-4524-A4C5-E6EA3FC06D7D}"/>
+              </a:ext>
+            </a:extLst>
+          </p:cNvPr>
+          <p:cNvSpPr/>
+          <p:nvPr/>
+        </p:nvSpPr>
+        <p:spPr>
+          <a:xfrm>
+            <a:off x="3468427" y="3130932"/>
+            <a:ext cx="630281" cy="394220"/>
+          </a:xfrm>
+          <a:prstGeom prst="rightArrow">
+            <a:avLst/>
+          </a:prstGeom>
+          <a:solidFill>
+            <a:schemeClr val="accent4">
+              <a:lumMod val="75000"/>
+            </a:schemeClr>
+          </a:solidFill>
+          <a:ln>
+            <a:noFill/>
+          </a:ln>
+        </p:spPr>
+        <p:style>
+          <a:lnRef idx="2">
+            <a:schemeClr val="accent1">
+              <a:shade val="50000"/>
+            </a:schemeClr>
+          </a:lnRef>
+          <a:fillRef idx="1">
+            <a:schemeClr val="accent1"/>
+          </a:fillRef>
+          <a:effectRef idx="0">
+            <a:schemeClr val="accent1"/>
+          </a:effectRef>
+          <a:fontRef idx="minor">
+            <a:schemeClr val="lt1"/>
+          </a:fontRef>
+        </p:style>
+        <p:txBody>
+          <a:bodyPr rtlCol="0" anchor="ctr"/>
+          <a:lstStyle/>
+          <a:p>
+            <a:pPr algn="ctr"/>
+            <a:endParaRPr lang="en-US"/>
+          </a:p>
+        </p:txBody>
+      </p:sp>
+      <p:sp>
+        <p:nvSpPr>
+          <p:cNvPr id="102" name="TextBox 101">
+            <a:extLst>
+              <a:ext uri="{FF2B5EF4-FFF2-40B4-BE49-F238E27FC236}">
+                <a16:creationId xmlns:a16="http://schemas.microsoft.com/office/drawing/2014/main" id="{661CE5F0-1FE8-4542-9544-CE1BCB21EFC7}"/>
+              </a:ext>
+            </a:extLst>
+          </p:cNvPr>
+          <p:cNvSpPr txBox="1"/>
+          <p:nvPr/>
+        </p:nvSpPr>
+        <p:spPr>
+          <a:xfrm>
+            <a:off x="2678860" y="2642142"/>
+            <a:ext cx="2185641" cy="584775"/>
+          </a:xfrm>
+          <a:prstGeom prst="rect">
+            <a:avLst/>
+          </a:prstGeom>
+          <a:noFill/>
+        </p:spPr>
+        <p:txBody>
+          <a:bodyPr wrap="square" rtlCol="0">
+            <a:spAutoFit/>
+          </a:bodyPr>
+          <a:lstStyle/>
+          <a:p>
+            <a:pPr algn="ctr"/>
+            <a:r>
+              <a:rPr lang="en-US" sz="3200" b="1" dirty="0" err="1"/>
+              <a:t>k</a:t>
+            </a:r>
+            <a:r>
+              <a:rPr lang="en-US" sz="3200" b="1" baseline="-25000" dirty="0" err="1"/>
+              <a:t>m</a:t>
+            </a:r>
+            <a:r>
+              <a:rPr lang="en-US" sz="3200" b="1" dirty="0" err="1"/>
+              <a:t>,R</a:t>
+            </a:r>
+            <a:endParaRPr lang="en-US" sz="3200" b="1" dirty="0"/>
+          </a:p>
+        </p:txBody>
+      </p:sp>
+      <p:sp>
+        <p:nvSpPr>
+          <p:cNvPr id="103" name="TextBox 102">
+            <a:extLst>
+              <a:ext uri="{FF2B5EF4-FFF2-40B4-BE49-F238E27FC236}">
+                <a16:creationId xmlns:a16="http://schemas.microsoft.com/office/drawing/2014/main" id="{98A42C11-7C07-4A7D-9DF3-95883BD77A8B}"/>
+              </a:ext>
+            </a:extLst>
+          </p:cNvPr>
+          <p:cNvSpPr txBox="1"/>
+          <p:nvPr/>
+        </p:nvSpPr>
+        <p:spPr>
+          <a:xfrm>
+            <a:off x="6341099" y="2650422"/>
+            <a:ext cx="2185641" cy="584775"/>
+          </a:xfrm>
+          <a:prstGeom prst="rect">
+            <a:avLst/>
+          </a:prstGeom>
+          <a:noFill/>
+        </p:spPr>
+        <p:txBody>
+          <a:bodyPr wrap="square" rtlCol="0">
+            <a:spAutoFit/>
+          </a:bodyPr>
+          <a:lstStyle/>
+          <a:p>
+            <a:pPr algn="ctr"/>
+            <a:r>
+              <a:rPr lang="en-US" sz="3200" b="1" dirty="0"/>
+              <a:t>V</a:t>
+            </a:r>
+            <a:r>
+              <a:rPr lang="en-US" sz="3200" b="1" baseline="-25000" dirty="0"/>
+              <a:t>th</a:t>
+            </a:r>
+            <a:endParaRPr lang="en-US" sz="3200" b="1" dirty="0"/>
+          </a:p>
+        </p:txBody>
+      </p:sp>
+      <p:sp>
+        <p:nvSpPr>
+          <p:cNvPr id="104" name="Arrow: Right 103">
+            <a:extLst>
+              <a:ext uri="{FF2B5EF4-FFF2-40B4-BE49-F238E27FC236}">
+                <a16:creationId xmlns:a16="http://schemas.microsoft.com/office/drawing/2014/main" id="{241EBDF9-3F71-4F88-8CB7-49DD91FCD4CB}"/>
+              </a:ext>
+            </a:extLst>
+          </p:cNvPr>
+          <p:cNvSpPr/>
+          <p:nvPr/>
+        </p:nvSpPr>
+        <p:spPr>
+          <a:xfrm>
+            <a:off x="7210887" y="3130932"/>
+            <a:ext cx="630281" cy="394220"/>
+          </a:xfrm>
+          <a:prstGeom prst="rightArrow">
+            <a:avLst/>
+          </a:prstGeom>
+          <a:solidFill>
+            <a:schemeClr val="accent4">
+              <a:lumMod val="75000"/>
+            </a:schemeClr>
+          </a:solidFill>
+          <a:ln>
+            <a:noFill/>
+          </a:ln>
+        </p:spPr>
+        <p:style>
+          <a:lnRef idx="2">
+            <a:schemeClr val="accent1">
+              <a:shade val="50000"/>
+            </a:schemeClr>
+          </a:lnRef>
+          <a:fillRef idx="1">
+            <a:schemeClr val="accent1"/>
+          </a:fillRef>
+          <a:effectRef idx="0">
+            <a:schemeClr val="accent1"/>
+          </a:effectRef>
+          <a:fontRef idx="minor">
+            <a:schemeClr val="lt1"/>
+          </a:fontRef>
+        </p:style>
+        <p:txBody>
+          <a:bodyPr rtlCol="0" anchor="ctr"/>
+          <a:lstStyle/>
+          <a:p>
+            <a:pPr algn="ctr"/>
+            <a:endParaRPr lang="en-US"/>
+          </a:p>
+        </p:txBody>
+      </p:sp>
+      <p:sp>
+        <p:nvSpPr>
+          <p:cNvPr id="5" name="Rectangle 4">
+            <a:extLst>
+              <a:ext uri="{FF2B5EF4-FFF2-40B4-BE49-F238E27FC236}">
+                <a16:creationId xmlns:a16="http://schemas.microsoft.com/office/drawing/2014/main" id="{7F401E14-D7BC-47E3-920A-8306322F0267}"/>
+              </a:ext>
+            </a:extLst>
+          </p:cNvPr>
+          <p:cNvSpPr/>
+          <p:nvPr/>
+        </p:nvSpPr>
+        <p:spPr>
+          <a:xfrm rot="5400000">
+            <a:off x="4271289" y="4479275"/>
+            <a:ext cx="318443" cy="191658"/>
+          </a:xfrm>
+          <a:prstGeom prst="rect">
+            <a:avLst/>
+          </a:prstGeom>
+          <a:solidFill>
+            <a:schemeClr val="accent2">
+              <a:lumMod val="50000"/>
+            </a:schemeClr>
+          </a:solidFill>
+          <a:ln>
+            <a:noFill/>
+          </a:ln>
+        </p:spPr>
+        <p:style>
+          <a:lnRef idx="2">
+            <a:schemeClr val="accent1">
+              <a:shade val="50000"/>
+            </a:schemeClr>
+          </a:lnRef>
+          <a:fillRef idx="1">
+            <a:schemeClr val="accent1"/>
+          </a:fillRef>
+          <a:effectRef idx="0">
+            <a:schemeClr val="accent1"/>
+          </a:effectRef>
+          <a:fontRef idx="minor">
+            <a:schemeClr val="lt1"/>
+          </a:fontRef>
+        </p:style>
+        <p:txBody>
+          <a:bodyPr rtlCol="0" anchor="ctr"/>
+          <a:lstStyle/>
+          <a:p>
+            <a:pPr algn="ctr"/>
+            <a:endParaRPr lang="en-US"/>
+          </a:p>
+        </p:txBody>
+      </p:sp>
+      <p:sp>
+        <p:nvSpPr>
+          <p:cNvPr id="106" name="Rectangle 105">
+            <a:extLst>
+              <a:ext uri="{FF2B5EF4-FFF2-40B4-BE49-F238E27FC236}">
+                <a16:creationId xmlns:a16="http://schemas.microsoft.com/office/drawing/2014/main" id="{2884E42E-FAEA-4245-A919-66F07C822C22}"/>
+              </a:ext>
+            </a:extLst>
+          </p:cNvPr>
+          <p:cNvSpPr/>
+          <p:nvPr/>
+        </p:nvSpPr>
+        <p:spPr>
+          <a:xfrm>
+            <a:off x="4334681" y="4720202"/>
+            <a:ext cx="1113845" cy="191658"/>
+          </a:xfrm>
+          <a:prstGeom prst="rect">
+            <a:avLst/>
+          </a:prstGeom>
+          <a:solidFill>
+            <a:schemeClr val="accent2">
+              <a:lumMod val="50000"/>
+            </a:schemeClr>
+          </a:solidFill>
+          <a:ln>
+            <a:noFill/>
+          </a:ln>
+        </p:spPr>
+        <p:style>
+          <a:lnRef idx="2">
+            <a:schemeClr val="accent1">
+              <a:shade val="50000"/>
+            </a:schemeClr>
+          </a:lnRef>
+          <a:fillRef idx="1">
+            <a:schemeClr val="accent1"/>
+          </a:fillRef>
+          <a:effectRef idx="0">
+            <a:schemeClr val="accent1"/>
+          </a:effectRef>
+          <a:fontRef idx="minor">
+            <a:schemeClr val="lt1"/>
+          </a:fontRef>
+        </p:style>
+        <p:txBody>
+          <a:bodyPr rtlCol="0" anchor="ctr"/>
+          <a:lstStyle/>
+          <a:p>
+            <a:pPr algn="ctr"/>
+            <a:endParaRPr lang="en-US"/>
+          </a:p>
+        </p:txBody>
+      </p:sp>
+      <p:sp>
+        <p:nvSpPr>
+          <p:cNvPr id="108" name="Arrow: Right 107">
+            <a:extLst>
+              <a:ext uri="{FF2B5EF4-FFF2-40B4-BE49-F238E27FC236}">
+                <a16:creationId xmlns:a16="http://schemas.microsoft.com/office/drawing/2014/main" id="{8C97580D-54EC-4C3C-B3D5-9D41A5D2E0FA}"/>
+              </a:ext>
+            </a:extLst>
+          </p:cNvPr>
+          <p:cNvSpPr/>
+          <p:nvPr/>
+        </p:nvSpPr>
+        <p:spPr>
+          <a:xfrm rot="16200000">
+            <a:off x="5170194" y="4397614"/>
+            <a:ext cx="357689" cy="394220"/>
+          </a:xfrm>
+          <a:prstGeom prst="rightArrow">
+            <a:avLst/>
+          </a:prstGeom>
+          <a:solidFill>
+            <a:schemeClr val="accent2">
+              <a:lumMod val="50000"/>
+            </a:schemeClr>
+          </a:solidFill>
+          <a:ln>
+            <a:noFill/>
+          </a:ln>
+        </p:spPr>
+        <p:style>
+          <a:lnRef idx="2">
+            <a:schemeClr val="accent1">
+              <a:shade val="50000"/>
+            </a:schemeClr>
+          </a:lnRef>
+          <a:fillRef idx="1">
+            <a:schemeClr val="accent1"/>
+          </a:fillRef>
+          <a:effectRef idx="0">
+            <a:schemeClr val="accent1"/>
+          </a:effectRef>
+          <a:fontRef idx="minor">
+            <a:schemeClr val="lt1"/>
+          </a:fontRef>
+        </p:style>
+        <p:txBody>
+          <a:bodyPr rtlCol="0" anchor="ctr"/>
+          <a:lstStyle/>
+          <a:p>
+            <a:pPr algn="ctr"/>
+            <a:endParaRPr lang="en-US"/>
+          </a:p>
+        </p:txBody>
+      </p:sp>
+      <p:sp>
+        <p:nvSpPr>
+          <p:cNvPr id="109" name="TextBox 108">
+            <a:extLst>
+              <a:ext uri="{FF2B5EF4-FFF2-40B4-BE49-F238E27FC236}">
+                <a16:creationId xmlns:a16="http://schemas.microsoft.com/office/drawing/2014/main" id="{3B3C5B48-2BA4-4D46-BC79-FADF2CD3CA42}"/>
+              </a:ext>
+            </a:extLst>
+          </p:cNvPr>
+          <p:cNvSpPr txBox="1"/>
+          <p:nvPr/>
+        </p:nvSpPr>
+        <p:spPr>
+          <a:xfrm>
+            <a:off x="4868214" y="1295895"/>
+            <a:ext cx="978765" cy="1077218"/>
+          </a:xfrm>
+          <a:prstGeom prst="rect">
+            <a:avLst/>
+          </a:prstGeom>
+          <a:noFill/>
+        </p:spPr>
+        <p:txBody>
+          <a:bodyPr wrap="square" rtlCol="0">
+            <a:spAutoFit/>
+          </a:bodyPr>
+          <a:lstStyle/>
+          <a:p>
+            <a:r>
+              <a:rPr lang="en-US" sz="3200" b="1" dirty="0"/>
+              <a:t>R</a:t>
+            </a:r>
+            <a:r>
+              <a:rPr lang="en-US" sz="3200" b="1" baseline="-25000" dirty="0"/>
+              <a:t>m</a:t>
+            </a:r>
+            <a:r>
+              <a:rPr lang="en-US" sz="3200" b="1" dirty="0"/>
+              <a:t>,</a:t>
+            </a:r>
+          </a:p>
+          <a:p>
+            <a:r>
+              <a:rPr lang="en-US" sz="3200" b="1" dirty="0" err="1"/>
+              <a:t>V</a:t>
+            </a:r>
+            <a:r>
+              <a:rPr lang="en-US" sz="3200" b="1" baseline="-25000" dirty="0" err="1"/>
+              <a:t>reset</a:t>
+            </a:r>
+            <a:endParaRPr lang="en-US" sz="3200" b="1" dirty="0"/>
+          </a:p>
+        </p:txBody>
+      </p:sp>
+      <p:sp>
+        <p:nvSpPr>
+          <p:cNvPr id="110" name="TextBox 109">
+            <a:extLst>
+              <a:ext uri="{FF2B5EF4-FFF2-40B4-BE49-F238E27FC236}">
+                <a16:creationId xmlns:a16="http://schemas.microsoft.com/office/drawing/2014/main" id="{5F58503A-B6C0-4CD3-B988-9EA2D06F2517}"/>
+              </a:ext>
+            </a:extLst>
+          </p:cNvPr>
+          <p:cNvSpPr txBox="1"/>
+          <p:nvPr/>
+        </p:nvSpPr>
+        <p:spPr>
+          <a:xfrm>
+            <a:off x="3831457" y="4904744"/>
+            <a:ext cx="2185641" cy="584775"/>
+          </a:xfrm>
+          <a:prstGeom prst="rect">
+            <a:avLst/>
+          </a:prstGeom>
+          <a:noFill/>
+        </p:spPr>
+        <p:txBody>
+          <a:bodyPr wrap="square" rtlCol="0">
+            <a:spAutoFit/>
+          </a:bodyPr>
+          <a:lstStyle/>
+          <a:p>
+            <a:pPr algn="ctr"/>
+            <a:r>
+              <a:rPr lang="en-US" sz="3200" b="1" dirty="0"/>
+              <a:t>k</a:t>
+            </a:r>
+            <a:r>
+              <a:rPr lang="en-US" sz="3200" b="1" baseline="-25000" dirty="0"/>
+              <a:t>m</a:t>
+            </a:r>
+            <a:endParaRPr lang="en-US" sz="3200" b="1" dirty="0"/>
+          </a:p>
+        </p:txBody>
+      </p:sp>
+      <p:sp>
+        <p:nvSpPr>
+          <p:cNvPr id="111" name="Rectangle 110">
+            <a:extLst>
+              <a:ext uri="{FF2B5EF4-FFF2-40B4-BE49-F238E27FC236}">
+                <a16:creationId xmlns:a16="http://schemas.microsoft.com/office/drawing/2014/main" id="{C6263167-5B12-4120-AA34-B5337764D4AC}"/>
+              </a:ext>
+            </a:extLst>
+          </p:cNvPr>
+          <p:cNvSpPr/>
+          <p:nvPr/>
+        </p:nvSpPr>
+        <p:spPr>
+          <a:xfrm rot="5400000">
+            <a:off x="7604209" y="1718415"/>
+            <a:ext cx="1588663" cy="191658"/>
+          </a:xfrm>
+          <a:prstGeom prst="rect">
+            <a:avLst/>
+          </a:prstGeom>
+          <a:solidFill>
+            <a:schemeClr val="accent5">
+              <a:lumMod val="50000"/>
+            </a:schemeClr>
+          </a:solidFill>
+          <a:ln>
+            <a:noFill/>
+          </a:ln>
+        </p:spPr>
+        <p:style>
+          <a:lnRef idx="2">
+            <a:schemeClr val="accent1">
+              <a:shade val="50000"/>
+            </a:schemeClr>
+          </a:lnRef>
+          <a:fillRef idx="1">
+            <a:schemeClr val="accent1"/>
+          </a:fillRef>
+          <a:effectRef idx="0">
+            <a:schemeClr val="accent1"/>
+          </a:effectRef>
+          <a:fontRef idx="minor">
+            <a:schemeClr val="lt1"/>
+          </a:fontRef>
+        </p:style>
+        <p:txBody>
+          <a:bodyPr rtlCol="0" anchor="ctr"/>
+          <a:lstStyle/>
+          <a:p>
+            <a:pPr algn="ctr"/>
+            <a:endParaRPr lang="en-US"/>
+          </a:p>
+        </p:txBody>
+      </p:sp>
+      <p:sp>
+        <p:nvSpPr>
+          <p:cNvPr id="112" name="Rectangle 111">
+            <a:extLst>
+              <a:ext uri="{FF2B5EF4-FFF2-40B4-BE49-F238E27FC236}">
+                <a16:creationId xmlns:a16="http://schemas.microsoft.com/office/drawing/2014/main" id="{A2754903-79F7-42CB-9277-7DA87C259BE3}"/>
+              </a:ext>
+            </a:extLst>
+          </p:cNvPr>
+          <p:cNvSpPr/>
+          <p:nvPr/>
+        </p:nvSpPr>
+        <p:spPr>
+          <a:xfrm>
+            <a:off x="2941163" y="1017161"/>
+            <a:ext cx="5553207" cy="191658"/>
+          </a:xfrm>
+          <a:prstGeom prst="rect">
+            <a:avLst/>
+          </a:prstGeom>
+          <a:solidFill>
+            <a:schemeClr val="accent5">
+              <a:lumMod val="50000"/>
+            </a:schemeClr>
+          </a:solidFill>
+          <a:ln>
+            <a:noFill/>
+          </a:ln>
+        </p:spPr>
+        <p:style>
+          <a:lnRef idx="2">
+            <a:schemeClr val="accent1">
+              <a:shade val="50000"/>
+            </a:schemeClr>
+          </a:lnRef>
+          <a:fillRef idx="1">
+            <a:schemeClr val="accent1"/>
+          </a:fillRef>
+          <a:effectRef idx="0">
+            <a:schemeClr val="accent1"/>
+          </a:effectRef>
+          <a:fontRef idx="minor">
+            <a:schemeClr val="lt1"/>
+          </a:fontRef>
+        </p:style>
+        <p:txBody>
+          <a:bodyPr rtlCol="0" anchor="ctr"/>
+          <a:lstStyle/>
+          <a:p>
+            <a:pPr algn="ctr"/>
+            <a:endParaRPr lang="en-US"/>
+          </a:p>
+        </p:txBody>
+      </p:sp>
+      <p:sp>
+        <p:nvSpPr>
+          <p:cNvPr id="113" name="Arrow: Right 112">
+            <a:extLst>
+              <a:ext uri="{FF2B5EF4-FFF2-40B4-BE49-F238E27FC236}">
+                <a16:creationId xmlns:a16="http://schemas.microsoft.com/office/drawing/2014/main" id="{1FAABA74-050F-4BE9-8BA7-626300F91552}"/>
+              </a:ext>
+            </a:extLst>
+          </p:cNvPr>
+          <p:cNvSpPr/>
+          <p:nvPr/>
+        </p:nvSpPr>
+        <p:spPr>
+          <a:xfrm rot="5400000">
+            <a:off x="2318793" y="1690354"/>
+            <a:ext cx="1442222" cy="394220"/>
+          </a:xfrm>
+          <a:prstGeom prst="rightArrow">
+            <a:avLst/>
+          </a:prstGeom>
+          <a:solidFill>
+            <a:schemeClr val="accent5">
+              <a:lumMod val="50000"/>
+            </a:schemeClr>
+          </a:solidFill>
+          <a:ln>
+            <a:noFill/>
+          </a:ln>
+        </p:spPr>
+        <p:style>
+          <a:lnRef idx="2">
+            <a:schemeClr val="accent1">
+              <a:shade val="50000"/>
+            </a:schemeClr>
+          </a:lnRef>
+          <a:fillRef idx="1">
+            <a:schemeClr val="accent1"/>
+          </a:fillRef>
+          <a:effectRef idx="0">
+            <a:schemeClr val="accent1"/>
+          </a:effectRef>
+          <a:fontRef idx="minor">
+            <a:schemeClr val="lt1"/>
+          </a:fontRef>
+        </p:style>
+        <p:txBody>
+          <a:bodyPr rtlCol="0" anchor="ctr"/>
+          <a:lstStyle/>
+          <a:p>
+            <a:pPr algn="ctr"/>
+            <a:endParaRPr lang="en-US"/>
+          </a:p>
+        </p:txBody>
+      </p:sp>
+      <p:sp>
+        <p:nvSpPr>
+          <p:cNvPr id="115" name="TextBox 114">
+            <a:extLst>
+              <a:ext uri="{FF2B5EF4-FFF2-40B4-BE49-F238E27FC236}">
+                <a16:creationId xmlns:a16="http://schemas.microsoft.com/office/drawing/2014/main" id="{CC538D08-DC7A-4A59-85B6-7BDEAC94AF25}"/>
+              </a:ext>
+            </a:extLst>
+          </p:cNvPr>
+          <p:cNvSpPr txBox="1"/>
+          <p:nvPr/>
+        </p:nvSpPr>
+        <p:spPr>
+          <a:xfrm>
+            <a:off x="2701186" y="1295092"/>
+            <a:ext cx="1633494" cy="584775"/>
+          </a:xfrm>
+          <a:prstGeom prst="rect">
+            <a:avLst/>
+          </a:prstGeom>
+          <a:noFill/>
+        </p:spPr>
+        <p:txBody>
+          <a:bodyPr wrap="square" rtlCol="0">
+            <a:spAutoFit/>
+          </a:bodyPr>
+          <a:lstStyle/>
+          <a:p>
+            <a:pPr algn="ctr"/>
+            <a:r>
+              <a:rPr lang="en-US" sz="3200" b="1" dirty="0" err="1"/>
+              <a:t>W</a:t>
+            </a:r>
+            <a:r>
+              <a:rPr lang="en-US" sz="3200" b="1" baseline="-25000" dirty="0" err="1"/>
+              <a:t>lat</a:t>
+            </a:r>
+            <a:endParaRPr lang="en-US" sz="3200" b="1" dirty="0"/>
+          </a:p>
+        </p:txBody>
+      </p:sp>
+      <p:sp>
+        <p:nvSpPr>
+          <p:cNvPr id="116" name="Arrow: Right 115">
+            <a:extLst>
+              <a:ext uri="{FF2B5EF4-FFF2-40B4-BE49-F238E27FC236}">
+                <a16:creationId xmlns:a16="http://schemas.microsoft.com/office/drawing/2014/main" id="{C115389F-E927-4AA2-BDE1-9746DE82775B}"/>
+              </a:ext>
+            </a:extLst>
+          </p:cNvPr>
+          <p:cNvSpPr/>
+          <p:nvPr/>
+        </p:nvSpPr>
+        <p:spPr>
+          <a:xfrm rot="5400000">
+            <a:off x="4071152" y="1688841"/>
+            <a:ext cx="1442222" cy="394220"/>
+          </a:xfrm>
+          <a:prstGeom prst="rightArrow">
+            <a:avLst/>
+          </a:prstGeom>
+          <a:solidFill>
+            <a:schemeClr val="accent5">
+              <a:lumMod val="50000"/>
+            </a:schemeClr>
+          </a:solidFill>
+          <a:ln>
+            <a:noFill/>
+          </a:ln>
+        </p:spPr>
+        <p:style>
+          <a:lnRef idx="2">
+            <a:schemeClr val="accent1">
+              <a:shade val="50000"/>
+            </a:schemeClr>
+          </a:lnRef>
+          <a:fillRef idx="1">
+            <a:schemeClr val="accent1"/>
+          </a:fillRef>
+          <a:effectRef idx="0">
+            <a:schemeClr val="accent1"/>
+          </a:effectRef>
+          <a:fontRef idx="minor">
+            <a:schemeClr val="lt1"/>
+          </a:fontRef>
+        </p:style>
+        <p:txBody>
+          <a:bodyPr rtlCol="0" anchor="ctr"/>
+          <a:lstStyle/>
+          <a:p>
+            <a:pPr algn="ctr"/>
+            <a:endParaRPr lang="en-US"/>
+          </a:p>
+        </p:txBody>
+      </p:sp>
+      <p:sp>
+        <p:nvSpPr>
+          <p:cNvPr id="117" name="Arrow: Right 116">
+            <a:extLst>
+              <a:ext uri="{FF2B5EF4-FFF2-40B4-BE49-F238E27FC236}">
+                <a16:creationId xmlns:a16="http://schemas.microsoft.com/office/drawing/2014/main" id="{622CBDCD-E4F6-4E9A-9730-66DEA056A4E7}"/>
+              </a:ext>
+            </a:extLst>
+          </p:cNvPr>
+          <p:cNvSpPr/>
+          <p:nvPr/>
+        </p:nvSpPr>
+        <p:spPr>
+          <a:xfrm rot="5400000">
+            <a:off x="5876832" y="1688841"/>
+            <a:ext cx="1442222" cy="394220"/>
+          </a:xfrm>
+          <a:prstGeom prst="rightArrow">
+            <a:avLst/>
+          </a:prstGeom>
+          <a:solidFill>
+            <a:schemeClr val="accent5">
+              <a:lumMod val="50000"/>
+            </a:schemeClr>
+          </a:solidFill>
+          <a:ln>
+            <a:noFill/>
+          </a:ln>
+        </p:spPr>
+        <p:style>
+          <a:lnRef idx="2">
+            <a:schemeClr val="accent1">
+              <a:shade val="50000"/>
+            </a:schemeClr>
+          </a:lnRef>
+          <a:fillRef idx="1">
+            <a:schemeClr val="accent1"/>
+          </a:fillRef>
+          <a:effectRef idx="0">
+            <a:schemeClr val="accent1"/>
+          </a:effectRef>
+          <a:fontRef idx="minor">
+            <a:schemeClr val="lt1"/>
+          </a:fontRef>
+        </p:style>
+        <p:txBody>
+          <a:bodyPr rtlCol="0" anchor="ctr"/>
+          <a:lstStyle/>
+          <a:p>
+            <a:pPr algn="ctr"/>
+            <a:endParaRPr lang="en-US"/>
+          </a:p>
+        </p:txBody>
+      </p:sp>
+      <p:sp>
+        <p:nvSpPr>
+          <p:cNvPr id="118" name="TextBox 117">
+            <a:extLst>
+              <a:ext uri="{FF2B5EF4-FFF2-40B4-BE49-F238E27FC236}">
+                <a16:creationId xmlns:a16="http://schemas.microsoft.com/office/drawing/2014/main" id="{111B485E-8D1D-4740-962D-450F917D92AA}"/>
+              </a:ext>
+            </a:extLst>
+          </p:cNvPr>
+          <p:cNvSpPr txBox="1"/>
+          <p:nvPr/>
+        </p:nvSpPr>
+        <p:spPr>
+          <a:xfrm>
+            <a:off x="6255422" y="1290287"/>
+            <a:ext cx="1633494" cy="584775"/>
+          </a:xfrm>
+          <a:prstGeom prst="rect">
+            <a:avLst/>
+          </a:prstGeom>
+          <a:noFill/>
+        </p:spPr>
+        <p:txBody>
+          <a:bodyPr wrap="square" rtlCol="0">
+            <a:spAutoFit/>
+          </a:bodyPr>
+          <a:lstStyle/>
+          <a:p>
+            <a:pPr algn="ctr"/>
+            <a:r>
+              <a:rPr lang="en-US" sz="3200" b="1" dirty="0" err="1"/>
+              <a:t>a</a:t>
+            </a:r>
+            <a:r>
+              <a:rPr lang="en-US" sz="3200" b="1" baseline="-25000" dirty="0" err="1"/>
+              <a:t>j</a:t>
+            </a:r>
+            <a:r>
+              <a:rPr lang="en-US" sz="3200" b="1" dirty="0" err="1"/>
+              <a:t>,r</a:t>
+            </a:r>
+            <a:r>
+              <a:rPr lang="en-US" sz="3200" b="1" baseline="-25000" dirty="0" err="1"/>
+              <a:t>j</a:t>
+            </a:r>
+            <a:endParaRPr lang="en-US" sz="3200" b="1" dirty="0"/>
+          </a:p>
+        </p:txBody>
+      </p:sp>
+      <p:sp>
+        <p:nvSpPr>
+          <p:cNvPr id="119" name="Rectangle 118">
+            <a:extLst>
+              <a:ext uri="{FF2B5EF4-FFF2-40B4-BE49-F238E27FC236}">
+                <a16:creationId xmlns:a16="http://schemas.microsoft.com/office/drawing/2014/main" id="{63143FFE-D99E-42A3-B81F-66749B2C8E79}"/>
+              </a:ext>
+            </a:extLst>
+          </p:cNvPr>
+          <p:cNvSpPr/>
+          <p:nvPr/>
+        </p:nvSpPr>
+        <p:spPr>
+          <a:xfrm rot="5400000">
+            <a:off x="6033650" y="4476194"/>
+            <a:ext cx="318443" cy="191658"/>
+          </a:xfrm>
+          <a:prstGeom prst="rect">
+            <a:avLst/>
+          </a:prstGeom>
+          <a:solidFill>
+            <a:schemeClr val="accent2">
+              <a:lumMod val="50000"/>
+            </a:schemeClr>
+          </a:solidFill>
+          <a:ln>
+            <a:noFill/>
+          </a:ln>
+        </p:spPr>
+        <p:style>
+          <a:lnRef idx="2">
+            <a:schemeClr val="accent1">
+              <a:shade val="50000"/>
+            </a:schemeClr>
+          </a:lnRef>
+          <a:fillRef idx="1">
+            <a:schemeClr val="accent1"/>
+          </a:fillRef>
+          <a:effectRef idx="0">
+            <a:schemeClr val="accent1"/>
+          </a:effectRef>
+          <a:fontRef idx="minor">
+            <a:schemeClr val="lt1"/>
+          </a:fontRef>
+        </p:style>
+        <p:txBody>
+          <a:bodyPr rtlCol="0" anchor="ctr"/>
+          <a:lstStyle/>
+          <a:p>
+            <a:pPr algn="ctr"/>
+            <a:endParaRPr lang="en-US"/>
+          </a:p>
+        </p:txBody>
+      </p:sp>
+      <p:sp>
+        <p:nvSpPr>
+          <p:cNvPr id="120" name="Rectangle 119">
+            <a:extLst>
+              <a:ext uri="{FF2B5EF4-FFF2-40B4-BE49-F238E27FC236}">
+                <a16:creationId xmlns:a16="http://schemas.microsoft.com/office/drawing/2014/main" id="{6CDBB176-485E-4343-9452-7749ABB44D05}"/>
+              </a:ext>
+            </a:extLst>
+          </p:cNvPr>
+          <p:cNvSpPr/>
+          <p:nvPr/>
+        </p:nvSpPr>
+        <p:spPr>
+          <a:xfrm>
+            <a:off x="6097042" y="4717120"/>
+            <a:ext cx="1113845" cy="191658"/>
+          </a:xfrm>
+          <a:prstGeom prst="rect">
+            <a:avLst/>
+          </a:prstGeom>
+          <a:solidFill>
+            <a:schemeClr val="accent2">
+              <a:lumMod val="50000"/>
+            </a:schemeClr>
+          </a:solidFill>
+          <a:ln>
+            <a:noFill/>
+          </a:ln>
+        </p:spPr>
+        <p:style>
+          <a:lnRef idx="2">
+            <a:schemeClr val="accent1">
+              <a:shade val="50000"/>
+            </a:schemeClr>
+          </a:lnRef>
+          <a:fillRef idx="1">
+            <a:schemeClr val="accent1"/>
+          </a:fillRef>
+          <a:effectRef idx="0">
+            <a:schemeClr val="accent1"/>
+          </a:effectRef>
+          <a:fontRef idx="minor">
+            <a:schemeClr val="lt1"/>
+          </a:fontRef>
+        </p:style>
+        <p:txBody>
+          <a:bodyPr rtlCol="0" anchor="ctr"/>
+          <a:lstStyle/>
+          <a:p>
+            <a:pPr algn="ctr"/>
+            <a:endParaRPr lang="en-US"/>
+          </a:p>
+        </p:txBody>
+      </p:sp>
+      <p:sp>
+        <p:nvSpPr>
+          <p:cNvPr id="121" name="Arrow: Right 120">
+            <a:extLst>
+              <a:ext uri="{FF2B5EF4-FFF2-40B4-BE49-F238E27FC236}">
+                <a16:creationId xmlns:a16="http://schemas.microsoft.com/office/drawing/2014/main" id="{B8FAD1AA-A5F5-4CA4-B501-B18A6784A4F5}"/>
+              </a:ext>
+            </a:extLst>
+          </p:cNvPr>
+          <p:cNvSpPr/>
+          <p:nvPr/>
+        </p:nvSpPr>
+        <p:spPr>
+          <a:xfrm rot="16200000">
+            <a:off x="6932555" y="4394532"/>
+            <a:ext cx="357689" cy="394220"/>
+          </a:xfrm>
+          <a:prstGeom prst="rightArrow">
+            <a:avLst/>
+          </a:prstGeom>
+          <a:solidFill>
+            <a:schemeClr val="accent2">
+              <a:lumMod val="50000"/>
+            </a:schemeClr>
+          </a:solidFill>
+          <a:ln>
+            <a:noFill/>
+          </a:ln>
+        </p:spPr>
+        <p:style>
+          <a:lnRef idx="2">
+            <a:schemeClr val="accent1">
+              <a:shade val="50000"/>
+            </a:schemeClr>
+          </a:lnRef>
+          <a:fillRef idx="1">
+            <a:schemeClr val="accent1"/>
+          </a:fillRef>
+          <a:effectRef idx="0">
+            <a:schemeClr val="accent1"/>
+          </a:effectRef>
+          <a:fontRef idx="minor">
+            <a:schemeClr val="lt1"/>
+          </a:fontRef>
+        </p:style>
+        <p:txBody>
+          <a:bodyPr rtlCol="0" anchor="ctr"/>
+          <a:lstStyle/>
+          <a:p>
+            <a:pPr algn="ctr"/>
+            <a:endParaRPr lang="en-US"/>
+          </a:p>
+        </p:txBody>
+      </p:sp>
+      <p:sp>
+        <p:nvSpPr>
+          <p:cNvPr id="122" name="TextBox 121">
+            <a:extLst>
+              <a:ext uri="{FF2B5EF4-FFF2-40B4-BE49-F238E27FC236}">
+                <a16:creationId xmlns:a16="http://schemas.microsoft.com/office/drawing/2014/main" id="{65BC945A-8421-462E-AC92-4639536311CF}"/>
+              </a:ext>
+            </a:extLst>
+          </p:cNvPr>
+          <p:cNvSpPr txBox="1"/>
+          <p:nvPr/>
+        </p:nvSpPr>
+        <p:spPr>
+          <a:xfrm>
+            <a:off x="5561143" y="4900395"/>
+            <a:ext cx="2185641" cy="584775"/>
+          </a:xfrm>
+          <a:prstGeom prst="rect">
+            <a:avLst/>
+          </a:prstGeom>
+          <a:noFill/>
+        </p:spPr>
+        <p:txBody>
+          <a:bodyPr wrap="square" rtlCol="0">
+            <a:spAutoFit/>
+          </a:bodyPr>
+          <a:lstStyle/>
+          <a:p>
+            <a:pPr algn="ctr"/>
+            <a:r>
+              <a:rPr lang="en-US" sz="3200" b="1" dirty="0" err="1"/>
+              <a:t>k</a:t>
+            </a:r>
+            <a:r>
+              <a:rPr lang="en-US" sz="3200" b="1" baseline="-25000" dirty="0" err="1"/>
+              <a:t>j</a:t>
+            </a:r>
+            <a:endParaRPr lang="en-US" sz="3200" b="1" dirty="0"/>
+          </a:p>
+        </p:txBody>
+      </p:sp>
+    </p:spTree>
+    <p:extLst>
+      <p:ext uri="{BB962C8B-B14F-4D97-AF65-F5344CB8AC3E}">
+        <p14:creationId xmlns:p14="http://schemas.microsoft.com/office/powerpoint/2010/main" val="1967502352"/>
       </p:ext>
     </p:extLst>
   </p:cSld>
